--- a/课程ppt/(十)基于K-均值聚类的图像矢量量化.pptx
+++ b/课程ppt/(十)基于K-均值聚类的图像矢量量化.pptx
@@ -1,17 +1,17 @@
 
 <file path=ppt/presentation.xml><?xml version="1.0" encoding="utf-8"?>
-<p:presentation xmlns:a="http://schemas.openxmlformats.org/drawingml/2006/main" xmlns:r="http://schemas.openxmlformats.org/officeDocument/2006/relationships" xmlns:p="http://schemas.openxmlformats.org/presentationml/2006/main" showSpecialPlsOnTitleSld="0" saveSubsetFonts="1">
+<p:presentation xmlns:a="http://schemas.openxmlformats.org/drawingml/2006/main" xmlns:r="http://schemas.openxmlformats.org/officeDocument/2006/relationships" xmlns:p="http://schemas.openxmlformats.org/presentationml/2006/main" showSpecialPlsOnTitleSld="0">
   <p:sldMasterIdLst>
-    <p:sldMasterId id="2147483660" r:id="rId1"/>
-    <p:sldMasterId id="2147483672" r:id="rId2"/>
+    <p:sldMasterId id="2147483648" r:id="rId1"/>
+    <p:sldMasterId id="2147483660" r:id="rId3"/>
   </p:sldMasterIdLst>
   <p:notesMasterIdLst>
-    <p:notesMasterId r:id="rId6"/>
+    <p:notesMasterId r:id="rId5"/>
   </p:notesMasterIdLst>
   <p:sldIdLst>
-    <p:sldId id="256" r:id="rId3"/>
-    <p:sldId id="390" r:id="rId4"/>
-    <p:sldId id="278" r:id="rId5"/>
+    <p:sldId id="256" r:id="rId4"/>
+    <p:sldId id="390" r:id="rId6"/>
+    <p:sldId id="278" r:id="rId7"/>
   </p:sldIdLst>
   <p:sldSz cx="9144000" cy="6858000" type="screen4x3"/>
   <p:notesSz cx="6858000" cy="9144000"/>
@@ -110,22 +110,6 @@
       </a:defRPr>
     </a:lvl9pPr>
   </p:defaultTextStyle>
-  <p:extLst>
-    <p:ext uri="{EFAFB233-063F-42B5-8137-9DF3F51BA10A}">
-      <p15:sldGuideLst xmlns:p15="http://schemas.microsoft.com/office/powerpoint/2012/main">
-        <p15:guide id="1" orient="horz" pos="2160">
-          <p15:clr>
-            <a:srgbClr val="A4A3A4"/>
-          </p15:clr>
-        </p15:guide>
-        <p15:guide id="2" pos="2880">
-          <p15:clr>
-            <a:srgbClr val="A4A3A4"/>
-          </p15:clr>
-        </p15:guide>
-      </p15:sldGuideLst>
-    </p:ext>
-  </p:extLst>
 </p:presentation>
 </file>
 
@@ -211,7 +195,6 @@
           <a:p>
             <a:fld id="{4ED6A55B-0B0C-48BE-ACB9-8BC4F137FFF3}" type="datetimeFigureOut">
               <a:rPr lang="zh-CN" altLang="en-US" smtClean="0"/>
-              <a:t>2017/11/3 Friday</a:t>
             </a:fld>
             <a:endParaRPr lang="zh-CN" altLang="en-US"/>
           </a:p>
@@ -278,6 +261,7 @@
               <a:rPr lang="zh-CN" altLang="en-US" smtClean="0"/>
               <a:t>单击此处编辑母版文本样式</a:t>
             </a:r>
+            <a:endParaRPr lang="zh-CN" altLang="en-US" smtClean="0"/>
           </a:p>
           <a:p>
             <a:pPr lvl="1"/>
@@ -285,6 +269,7 @@
               <a:rPr lang="zh-CN" altLang="en-US" smtClean="0"/>
               <a:t>第二级</a:t>
             </a:r>
+            <a:endParaRPr lang="zh-CN" altLang="en-US" smtClean="0"/>
           </a:p>
           <a:p>
             <a:pPr lvl="2"/>
@@ -292,6 +277,7 @@
               <a:rPr lang="zh-CN" altLang="en-US" smtClean="0"/>
               <a:t>第三级</a:t>
             </a:r>
+            <a:endParaRPr lang="zh-CN" altLang="en-US" smtClean="0"/>
           </a:p>
           <a:p>
             <a:pPr lvl="3"/>
@@ -299,6 +285,7 @@
               <a:rPr lang="zh-CN" altLang="en-US" smtClean="0"/>
               <a:t>第四级</a:t>
             </a:r>
+            <a:endParaRPr lang="zh-CN" altLang="en-US" smtClean="0"/>
           </a:p>
           <a:p>
             <a:pPr lvl="4"/>
@@ -370,18 +357,12 @@
           <a:p>
             <a:fld id="{8E7C9746-1040-4D60-8B0E-E2F7B35B42C2}" type="slidenum">
               <a:rPr lang="zh-CN" altLang="en-US" smtClean="0"/>
-              <a:t>‹#›</a:t>
             </a:fld>
             <a:endParaRPr lang="zh-CN" altLang="en-US"/>
           </a:p>
         </p:txBody>
       </p:sp>
     </p:spTree>
-    <p:extLst>
-      <p:ext uri="{BB962C8B-B14F-4D97-AF65-F5344CB8AC3E}">
-        <p14:creationId xmlns:p14="http://schemas.microsoft.com/office/powerpoint/2010/main" val="1204531870"/>
-      </p:ext>
-    </p:extLst>
   </p:cSld>
   <p:clrMap bg1="lt1" tx1="dk1" bg2="lt2" tx2="dk2" accent1="accent1" accent2="accent2" accent3="accent3" accent4="accent4" accent5="accent5" accent6="accent6" hlink="hlink" folHlink="folHlink"/>
   <p:notesStyle>
@@ -513,8 +494,6 @@
               <a:srgbClr val="000000"/>
             </a:solidFill>
             <a:miter lim="800000"/>
-            <a:headEnd/>
-            <a:tailEnd/>
           </a:ln>
           <a:extLst>
             <a:ext uri="{909E8E84-426E-40DD-AFC4-6F175D3DCCD1}">
@@ -560,11 +539,7 @@
           </a:extLst>
         </p:spPr>
         <p:txBody>
-          <a:bodyPr wrap="square" numCol="1" anchor="t" anchorCtr="0" compatLnSpc="1">
-            <a:prstTxWarp prst="textNoShape">
-              <a:avLst/>
-            </a:prstTxWarp>
-          </a:bodyPr>
+          <a:bodyPr wrap="square" numCol="1" anchor="t" anchorCtr="0" compatLnSpc="1"/>
           <a:lstStyle/>
           <a:p>
             <a:pPr eaLnBrk="1" hangingPunct="1">
@@ -609,18 +584,14 @@
           </a:extLst>
         </p:spPr>
         <p:txBody>
-          <a:bodyPr wrap="square" numCol="1" anchorCtr="0" compatLnSpc="1">
-            <a:prstTxWarp prst="textNoShape">
-              <a:avLst/>
-            </a:prstTxWarp>
-          </a:bodyPr>
+          <a:bodyPr wrap="square" numCol="1" anchorCtr="0" compatLnSpc="1"/>
           <a:lstStyle>
             <a:lvl1pPr eaLnBrk="0" hangingPunct="0">
               <a:defRPr>
                 <a:solidFill>
                   <a:schemeClr val="tx1"/>
                 </a:solidFill>
-                <a:latin typeface="Arial" charset="0"/>
+                <a:latin typeface="Arial" panose="020B0604020202090204" pitchFamily="34" charset="0"/>
                 <a:ea typeface="宋体" pitchFamily="2" charset="-122"/>
               </a:defRPr>
             </a:lvl1pPr>
@@ -629,7 +600,7 @@
                 <a:solidFill>
                   <a:schemeClr val="tx1"/>
                 </a:solidFill>
-                <a:latin typeface="Arial" charset="0"/>
+                <a:latin typeface="Arial" panose="020B0604020202090204" pitchFamily="34" charset="0"/>
                 <a:ea typeface="宋体" pitchFamily="2" charset="-122"/>
               </a:defRPr>
             </a:lvl2pPr>
@@ -638,7 +609,7 @@
                 <a:solidFill>
                   <a:schemeClr val="tx1"/>
                 </a:solidFill>
-                <a:latin typeface="Arial" charset="0"/>
+                <a:latin typeface="Arial" panose="020B0604020202090204" pitchFamily="34" charset="0"/>
                 <a:ea typeface="宋体" pitchFamily="2" charset="-122"/>
               </a:defRPr>
             </a:lvl3pPr>
@@ -647,7 +618,7 @@
                 <a:solidFill>
                   <a:schemeClr val="tx1"/>
                 </a:solidFill>
-                <a:latin typeface="Arial" charset="0"/>
+                <a:latin typeface="Arial" panose="020B0604020202090204" pitchFamily="34" charset="0"/>
                 <a:ea typeface="宋体" pitchFamily="2" charset="-122"/>
               </a:defRPr>
             </a:lvl4pPr>
@@ -656,7 +627,7 @@
                 <a:solidFill>
                   <a:schemeClr val="tx1"/>
                 </a:solidFill>
-                <a:latin typeface="Arial" charset="0"/>
+                <a:latin typeface="Arial" panose="020B0604020202090204" pitchFamily="34" charset="0"/>
                 <a:ea typeface="宋体" pitchFamily="2" charset="-122"/>
               </a:defRPr>
             </a:lvl5pPr>
@@ -671,7 +642,7 @@
                 <a:solidFill>
                   <a:schemeClr val="tx1"/>
                 </a:solidFill>
-                <a:latin typeface="Arial" charset="0"/>
+                <a:latin typeface="Arial" panose="020B0604020202090204" pitchFamily="34" charset="0"/>
                 <a:ea typeface="宋体" pitchFamily="2" charset="-122"/>
               </a:defRPr>
             </a:lvl6pPr>
@@ -686,7 +657,7 @@
                 <a:solidFill>
                   <a:schemeClr val="tx1"/>
                 </a:solidFill>
-                <a:latin typeface="Arial" charset="0"/>
+                <a:latin typeface="Arial" panose="020B0604020202090204" pitchFamily="34" charset="0"/>
                 <a:ea typeface="宋体" pitchFamily="2" charset="-122"/>
               </a:defRPr>
             </a:lvl7pPr>
@@ -701,7 +672,7 @@
                 <a:solidFill>
                   <a:schemeClr val="tx1"/>
                 </a:solidFill>
-                <a:latin typeface="Arial" charset="0"/>
+                <a:latin typeface="Arial" panose="020B0604020202090204" pitchFamily="34" charset="0"/>
                 <a:ea typeface="宋体" pitchFamily="2" charset="-122"/>
               </a:defRPr>
             </a:lvl8pPr>
@@ -716,7 +687,7 @@
                 <a:solidFill>
                   <a:schemeClr val="tx1"/>
                 </a:solidFill>
-                <a:latin typeface="Arial" charset="0"/>
+                <a:latin typeface="Arial" panose="020B0604020202090204" pitchFamily="34" charset="0"/>
                 <a:ea typeface="宋体" pitchFamily="2" charset="-122"/>
               </a:defRPr>
             </a:lvl9pPr>
@@ -729,8 +700,6 @@
                   <a:prstClr val="black"/>
                 </a:solidFill>
               </a:rPr>
-              <a:pPr eaLnBrk="1" hangingPunct="1"/>
-              <a:t>1</a:t>
             </a:fld>
             <a:endParaRPr lang="zh-CN" altLang="en-US">
               <a:solidFill>
@@ -741,11 +710,6 @@
         </p:txBody>
       </p:sp>
     </p:spTree>
-    <p:extLst>
-      <p:ext uri="{BB962C8B-B14F-4D97-AF65-F5344CB8AC3E}">
-        <p14:creationId xmlns:p14="http://schemas.microsoft.com/office/powerpoint/2010/main" val="3498303366"/>
-      </p:ext>
-    </p:extLst>
   </p:cSld>
   <p:clrMapOvr>
     <a:masterClrMapping/>
@@ -787,8 +751,6 @@
               <a:srgbClr val="000000"/>
             </a:solidFill>
             <a:miter lim="800000"/>
-            <a:headEnd/>
-            <a:tailEnd/>
           </a:ln>
           <a:extLst>
             <a:ext uri="{909E8E84-426E-40DD-AFC4-6F175D3DCCD1}">
@@ -834,11 +796,7 @@
           </a:extLst>
         </p:spPr>
         <p:txBody>
-          <a:bodyPr wrap="square" numCol="1" anchor="t" anchorCtr="0" compatLnSpc="1">
-            <a:prstTxWarp prst="textNoShape">
-              <a:avLst/>
-            </a:prstTxWarp>
-          </a:bodyPr>
+          <a:bodyPr wrap="square" numCol="1" anchor="t" anchorCtr="0" compatLnSpc="1"/>
           <a:lstStyle/>
           <a:p>
             <a:endParaRPr lang="zh-CN" altLang="en-US" dirty="0" smtClean="0"/>
@@ -878,18 +836,14 @@
           </a:extLst>
         </p:spPr>
         <p:txBody>
-          <a:bodyPr wrap="square" numCol="1" anchorCtr="0" compatLnSpc="1">
-            <a:prstTxWarp prst="textNoShape">
-              <a:avLst/>
-            </a:prstTxWarp>
-          </a:bodyPr>
+          <a:bodyPr wrap="square" numCol="1" anchorCtr="0" compatLnSpc="1"/>
           <a:lstStyle>
             <a:lvl1pPr eaLnBrk="0" hangingPunct="0">
               <a:defRPr>
                 <a:solidFill>
                   <a:schemeClr val="tx1"/>
                 </a:solidFill>
-                <a:latin typeface="Arial" charset="0"/>
+                <a:latin typeface="Arial" panose="020B0604020202090204" pitchFamily="34" charset="0"/>
                 <a:ea typeface="宋体" pitchFamily="2" charset="-122"/>
               </a:defRPr>
             </a:lvl1pPr>
@@ -898,7 +852,7 @@
                 <a:solidFill>
                   <a:schemeClr val="tx1"/>
                 </a:solidFill>
-                <a:latin typeface="Arial" charset="0"/>
+                <a:latin typeface="Arial" panose="020B0604020202090204" pitchFamily="34" charset="0"/>
                 <a:ea typeface="宋体" pitchFamily="2" charset="-122"/>
               </a:defRPr>
             </a:lvl2pPr>
@@ -907,7 +861,7 @@
                 <a:solidFill>
                   <a:schemeClr val="tx1"/>
                 </a:solidFill>
-                <a:latin typeface="Arial" charset="0"/>
+                <a:latin typeface="Arial" panose="020B0604020202090204" pitchFamily="34" charset="0"/>
                 <a:ea typeface="宋体" pitchFamily="2" charset="-122"/>
               </a:defRPr>
             </a:lvl3pPr>
@@ -916,7 +870,7 @@
                 <a:solidFill>
                   <a:schemeClr val="tx1"/>
                 </a:solidFill>
-                <a:latin typeface="Arial" charset="0"/>
+                <a:latin typeface="Arial" panose="020B0604020202090204" pitchFamily="34" charset="0"/>
                 <a:ea typeface="宋体" pitchFamily="2" charset="-122"/>
               </a:defRPr>
             </a:lvl4pPr>
@@ -925,7 +879,7 @@
                 <a:solidFill>
                   <a:schemeClr val="tx1"/>
                 </a:solidFill>
-                <a:latin typeface="Arial" charset="0"/>
+                <a:latin typeface="Arial" panose="020B0604020202090204" pitchFamily="34" charset="0"/>
                 <a:ea typeface="宋体" pitchFamily="2" charset="-122"/>
               </a:defRPr>
             </a:lvl5pPr>
@@ -940,7 +894,7 @@
                 <a:solidFill>
                   <a:schemeClr val="tx1"/>
                 </a:solidFill>
-                <a:latin typeface="Arial" charset="0"/>
+                <a:latin typeface="Arial" panose="020B0604020202090204" pitchFamily="34" charset="0"/>
                 <a:ea typeface="宋体" pitchFamily="2" charset="-122"/>
               </a:defRPr>
             </a:lvl6pPr>
@@ -955,7 +909,7 @@
                 <a:solidFill>
                   <a:schemeClr val="tx1"/>
                 </a:solidFill>
-                <a:latin typeface="Arial" charset="0"/>
+                <a:latin typeface="Arial" panose="020B0604020202090204" pitchFamily="34" charset="0"/>
                 <a:ea typeface="宋体" pitchFamily="2" charset="-122"/>
               </a:defRPr>
             </a:lvl7pPr>
@@ -970,7 +924,7 @@
                 <a:solidFill>
                   <a:schemeClr val="tx1"/>
                 </a:solidFill>
-                <a:latin typeface="Arial" charset="0"/>
+                <a:latin typeface="Arial" panose="020B0604020202090204" pitchFamily="34" charset="0"/>
                 <a:ea typeface="宋体" pitchFamily="2" charset="-122"/>
               </a:defRPr>
             </a:lvl8pPr>
@@ -985,7 +939,7 @@
                 <a:solidFill>
                   <a:schemeClr val="tx1"/>
                 </a:solidFill>
-                <a:latin typeface="Arial" charset="0"/>
+                <a:latin typeface="Arial" panose="020B0604020202090204" pitchFamily="34" charset="0"/>
                 <a:ea typeface="宋体" pitchFamily="2" charset="-122"/>
               </a:defRPr>
             </a:lvl9pPr>
@@ -998,8 +952,6 @@
                   <a:prstClr val="black"/>
                 </a:solidFill>
               </a:rPr>
-              <a:pPr eaLnBrk="1" hangingPunct="1"/>
-              <a:t>2</a:t>
             </a:fld>
             <a:endParaRPr lang="zh-CN" altLang="en-US">
               <a:solidFill>
@@ -1010,11 +962,6 @@
         </p:txBody>
       </p:sp>
     </p:spTree>
-    <p:extLst>
-      <p:ext uri="{BB962C8B-B14F-4D97-AF65-F5344CB8AC3E}">
-        <p14:creationId xmlns:p14="http://schemas.microsoft.com/office/powerpoint/2010/main" val="1694410338"/>
-      </p:ext>
-    </p:extLst>
   </p:cSld>
   <p:clrMapOvr>
     <a:masterClrMapping/>
@@ -1228,7 +1175,6 @@
                   </a:prstClr>
                 </a:solidFill>
               </a:rPr>
-              <a:t>2017/11/3 Friday</a:t>
             </a:fld>
             <a:endParaRPr lang="zh-CN" altLang="en-US">
               <a:solidFill>
@@ -1317,10 +1263,6 @@
                   <a:prstClr val="black"/>
                 </a:solidFill>
               </a:rPr>
-              <a:pPr>
-                <a:defRPr/>
-              </a:pPr>
-              <a:t>‹#›</a:t>
             </a:fld>
             <a:r>
               <a:rPr lang="zh-CN" altLang="en-US">
@@ -1347,11 +1289,6 @@
         </p:txBody>
       </p:sp>
     </p:spTree>
-    <p:extLst>
-      <p:ext uri="{BB962C8B-B14F-4D97-AF65-F5344CB8AC3E}">
-        <p14:creationId xmlns:p14="http://schemas.microsoft.com/office/powerpoint/2010/main" val="712013199"/>
-      </p:ext>
-    </p:extLst>
   </p:cSld>
   <p:clrMapOvr>
     <a:masterClrMapping/>
@@ -1423,6 +1360,7 @@
               <a:rPr lang="zh-CN" altLang="en-US" dirty="0" smtClean="0"/>
               <a:t>单击此处编辑母版文本样式</a:t>
             </a:r>
+            <a:endParaRPr lang="zh-CN" altLang="en-US" dirty="0" smtClean="0"/>
           </a:p>
           <a:p>
             <a:pPr lvl="1"/>
@@ -1430,6 +1368,7 @@
               <a:rPr lang="zh-CN" altLang="en-US" dirty="0" smtClean="0"/>
               <a:t>第二级</a:t>
             </a:r>
+            <a:endParaRPr lang="zh-CN" altLang="en-US" dirty="0" smtClean="0"/>
           </a:p>
           <a:p>
             <a:pPr lvl="2"/>
@@ -1437,6 +1376,7 @@
               <a:rPr lang="zh-CN" altLang="en-US" dirty="0" smtClean="0"/>
               <a:t>第三级</a:t>
             </a:r>
+            <a:endParaRPr lang="zh-CN" altLang="en-US" dirty="0" smtClean="0"/>
           </a:p>
           <a:p>
             <a:pPr lvl="3"/>
@@ -1444,6 +1384,7 @@
               <a:rPr lang="zh-CN" altLang="en-US" dirty="0" smtClean="0"/>
               <a:t>第四级</a:t>
             </a:r>
+            <a:endParaRPr lang="zh-CN" altLang="en-US" dirty="0" smtClean="0"/>
           </a:p>
           <a:p>
             <a:pPr lvl="4"/>
@@ -1485,7 +1426,6 @@
                   </a:prstClr>
                 </a:solidFill>
               </a:rPr>
-              <a:t>2017/11/3 Friday</a:t>
             </a:fld>
             <a:endParaRPr lang="zh-CN" altLang="en-US">
               <a:solidFill>
@@ -1557,7 +1497,6 @@
               <a:buSzTx/>
               <a:buFontTx/>
               <a:buNone/>
-              <a:tabLst/>
               <a:defRPr sz="2000">
                 <a:solidFill>
                   <a:schemeClr val="tx1"/>
@@ -1583,10 +1522,6 @@
                   <a:prstClr val="black"/>
                 </a:solidFill>
               </a:rPr>
-              <a:pPr>
-                <a:defRPr/>
-              </a:pPr>
-              <a:t>‹#›</a:t>
             </a:fld>
             <a:r>
               <a:rPr lang="zh-CN" altLang="en-US">
@@ -1613,11 +1548,6 @@
         </p:txBody>
       </p:sp>
     </p:spTree>
-    <p:extLst>
-      <p:ext uri="{BB962C8B-B14F-4D97-AF65-F5344CB8AC3E}">
-        <p14:creationId xmlns:p14="http://schemas.microsoft.com/office/powerpoint/2010/main" val="249411990"/>
-      </p:ext>
-    </p:extLst>
   </p:cSld>
   <p:clrMapOvr>
     <a:masterClrMapping/>
@@ -1705,6 +1635,7 @@
               <a:rPr lang="zh-CN" altLang="en-US" smtClean="0"/>
               <a:t>单击此处编辑母版文本样式</a:t>
             </a:r>
+            <a:endParaRPr lang="zh-CN" altLang="en-US" smtClean="0"/>
           </a:p>
           <a:p>
             <a:pPr lvl="1"/>
@@ -1712,6 +1643,7 @@
               <a:rPr lang="zh-CN" altLang="en-US" smtClean="0"/>
               <a:t>第二级</a:t>
             </a:r>
+            <a:endParaRPr lang="zh-CN" altLang="en-US" smtClean="0"/>
           </a:p>
           <a:p>
             <a:pPr lvl="2"/>
@@ -1719,6 +1651,7 @@
               <a:rPr lang="zh-CN" altLang="en-US" smtClean="0"/>
               <a:t>第三级</a:t>
             </a:r>
+            <a:endParaRPr lang="zh-CN" altLang="en-US" smtClean="0"/>
           </a:p>
           <a:p>
             <a:pPr lvl="3"/>
@@ -1726,6 +1659,7 @@
               <a:rPr lang="zh-CN" altLang="en-US" smtClean="0"/>
               <a:t>第四级</a:t>
             </a:r>
+            <a:endParaRPr lang="zh-CN" altLang="en-US" smtClean="0"/>
           </a:p>
           <a:p>
             <a:pPr lvl="4"/>
@@ -1767,7 +1701,6 @@
                   </a:prstClr>
                 </a:solidFill>
               </a:rPr>
-              <a:t>2017/11/3 Friday</a:t>
             </a:fld>
             <a:endParaRPr lang="zh-CN" altLang="en-US">
               <a:solidFill>
@@ -1839,7 +1772,6 @@
               <a:buSzTx/>
               <a:buFontTx/>
               <a:buNone/>
-              <a:tabLst/>
               <a:defRPr sz="2000">
                 <a:solidFill>
                   <a:schemeClr val="tx1"/>
@@ -1865,10 +1797,6 @@
                   <a:prstClr val="black"/>
                 </a:solidFill>
               </a:rPr>
-              <a:pPr>
-                <a:defRPr/>
-              </a:pPr>
-              <a:t>‹#›</a:t>
             </a:fld>
             <a:r>
               <a:rPr lang="zh-CN" altLang="en-US">
@@ -1895,11 +1823,6 @@
         </p:txBody>
       </p:sp>
     </p:spTree>
-    <p:extLst>
-      <p:ext uri="{BB962C8B-B14F-4D97-AF65-F5344CB8AC3E}">
-        <p14:creationId xmlns:p14="http://schemas.microsoft.com/office/powerpoint/2010/main" val="3660981691"/>
-      </p:ext>
-    </p:extLst>
   </p:cSld>
   <p:clrMapOvr>
     <a:masterClrMapping/>
@@ -2113,7 +2036,6 @@
                   </a:prstClr>
                 </a:solidFill>
               </a:rPr>
-              <a:t>2017/11/3 Friday</a:t>
             </a:fld>
             <a:endParaRPr lang="zh-CN" altLang="en-US">
               <a:solidFill>
@@ -2202,10 +2124,6 @@
                   <a:prstClr val="black"/>
                 </a:solidFill>
               </a:rPr>
-              <a:pPr>
-                <a:defRPr/>
-              </a:pPr>
-              <a:t>‹#›</a:t>
             </a:fld>
             <a:r>
               <a:rPr lang="zh-CN" altLang="en-US">
@@ -2232,11 +2150,6 @@
         </p:txBody>
       </p:sp>
     </p:spTree>
-    <p:extLst>
-      <p:ext uri="{BB962C8B-B14F-4D97-AF65-F5344CB8AC3E}">
-        <p14:creationId xmlns:p14="http://schemas.microsoft.com/office/powerpoint/2010/main" val="1031695763"/>
-      </p:ext>
-    </p:extLst>
   </p:cSld>
   <p:clrMapOvr>
     <a:masterClrMapping/>
@@ -2308,6 +2221,7 @@
               <a:rPr lang="zh-CN" altLang="en-US" dirty="0" smtClean="0"/>
               <a:t>单击此处编辑母版文本样式</a:t>
             </a:r>
+            <a:endParaRPr lang="zh-CN" altLang="en-US" dirty="0" smtClean="0"/>
           </a:p>
           <a:p>
             <a:pPr lvl="1"/>
@@ -2315,6 +2229,7 @@
               <a:rPr lang="zh-CN" altLang="en-US" dirty="0" smtClean="0"/>
               <a:t>第二级</a:t>
             </a:r>
+            <a:endParaRPr lang="zh-CN" altLang="en-US" dirty="0" smtClean="0"/>
           </a:p>
           <a:p>
             <a:pPr lvl="2"/>
@@ -2322,6 +2237,7 @@
               <a:rPr lang="zh-CN" altLang="en-US" dirty="0" smtClean="0"/>
               <a:t>第三级</a:t>
             </a:r>
+            <a:endParaRPr lang="zh-CN" altLang="en-US" dirty="0" smtClean="0"/>
           </a:p>
           <a:p>
             <a:pPr lvl="3"/>
@@ -2329,6 +2245,7 @@
               <a:rPr lang="zh-CN" altLang="en-US" dirty="0" smtClean="0"/>
               <a:t>第四级</a:t>
             </a:r>
+            <a:endParaRPr lang="zh-CN" altLang="en-US" dirty="0" smtClean="0"/>
           </a:p>
           <a:p>
             <a:pPr lvl="4"/>
@@ -2370,7 +2287,6 @@
                   </a:prstClr>
                 </a:solidFill>
               </a:rPr>
-              <a:t>2017/11/3 Friday</a:t>
             </a:fld>
             <a:endParaRPr lang="zh-CN" altLang="en-US">
               <a:solidFill>
@@ -2454,10 +2370,6 @@
                   <a:prstClr val="black"/>
                 </a:solidFill>
               </a:rPr>
-              <a:pPr>
-                <a:defRPr/>
-              </a:pPr>
-              <a:t>‹#›</a:t>
             </a:fld>
             <a:r>
               <a:rPr lang="zh-CN" altLang="en-US">
@@ -2484,11 +2396,6 @@
         </p:txBody>
       </p:sp>
     </p:spTree>
-    <p:extLst>
-      <p:ext uri="{BB962C8B-B14F-4D97-AF65-F5344CB8AC3E}">
-        <p14:creationId xmlns:p14="http://schemas.microsoft.com/office/powerpoint/2010/main" val="1148465904"/>
-      </p:ext>
-    </p:extLst>
   </p:cSld>
   <p:clrMapOvr>
     <a:masterClrMapping/>
@@ -2661,6 +2568,7 @@
               <a:rPr lang="zh-CN" altLang="en-US" smtClean="0"/>
               <a:t>单击此处编辑母版文本样式</a:t>
             </a:r>
+            <a:endParaRPr lang="zh-CN" altLang="en-US" smtClean="0"/>
           </a:p>
         </p:txBody>
       </p:sp>
@@ -2694,7 +2602,6 @@
                   </a:prstClr>
                 </a:solidFill>
               </a:rPr>
-              <a:t>2017/11/3 Friday</a:t>
             </a:fld>
             <a:endParaRPr lang="zh-CN" altLang="en-US">
               <a:solidFill>
@@ -2778,10 +2685,6 @@
                   <a:prstClr val="black"/>
                 </a:solidFill>
               </a:rPr>
-              <a:pPr>
-                <a:defRPr/>
-              </a:pPr>
-              <a:t>‹#›</a:t>
             </a:fld>
             <a:r>
               <a:rPr lang="zh-CN" altLang="en-US">
@@ -2808,11 +2711,6 @@
         </p:txBody>
       </p:sp>
     </p:spTree>
-    <p:extLst>
-      <p:ext uri="{BB962C8B-B14F-4D97-AF65-F5344CB8AC3E}">
-        <p14:creationId xmlns:p14="http://schemas.microsoft.com/office/powerpoint/2010/main" val="4097210744"/>
-      </p:ext>
-    </p:extLst>
   </p:cSld>
   <p:clrMapOvr>
     <a:masterClrMapping/>
@@ -2913,6 +2811,7 @@
               <a:rPr lang="zh-CN" altLang="en-US" smtClean="0"/>
               <a:t>单击此处编辑母版文本样式</a:t>
             </a:r>
+            <a:endParaRPr lang="zh-CN" altLang="en-US" smtClean="0"/>
           </a:p>
           <a:p>
             <a:pPr lvl="1"/>
@@ -2920,6 +2819,7 @@
               <a:rPr lang="zh-CN" altLang="en-US" smtClean="0"/>
               <a:t>第二级</a:t>
             </a:r>
+            <a:endParaRPr lang="zh-CN" altLang="en-US" smtClean="0"/>
           </a:p>
           <a:p>
             <a:pPr lvl="2"/>
@@ -2927,6 +2827,7 @@
               <a:rPr lang="zh-CN" altLang="en-US" smtClean="0"/>
               <a:t>第三级</a:t>
             </a:r>
+            <a:endParaRPr lang="zh-CN" altLang="en-US" smtClean="0"/>
           </a:p>
           <a:p>
             <a:pPr lvl="3"/>
@@ -2934,6 +2835,7 @@
               <a:rPr lang="zh-CN" altLang="en-US" smtClean="0"/>
               <a:t>第四级</a:t>
             </a:r>
+            <a:endParaRPr lang="zh-CN" altLang="en-US" smtClean="0"/>
           </a:p>
           <a:p>
             <a:pPr lvl="4"/>
@@ -2998,6 +2900,7 @@
               <a:rPr lang="zh-CN" altLang="en-US" smtClean="0"/>
               <a:t>单击此处编辑母版文本样式</a:t>
             </a:r>
+            <a:endParaRPr lang="zh-CN" altLang="en-US" smtClean="0"/>
           </a:p>
           <a:p>
             <a:pPr lvl="1"/>
@@ -3005,6 +2908,7 @@
               <a:rPr lang="zh-CN" altLang="en-US" smtClean="0"/>
               <a:t>第二级</a:t>
             </a:r>
+            <a:endParaRPr lang="zh-CN" altLang="en-US" smtClean="0"/>
           </a:p>
           <a:p>
             <a:pPr lvl="2"/>
@@ -3012,6 +2916,7 @@
               <a:rPr lang="zh-CN" altLang="en-US" smtClean="0"/>
               <a:t>第三级</a:t>
             </a:r>
+            <a:endParaRPr lang="zh-CN" altLang="en-US" smtClean="0"/>
           </a:p>
           <a:p>
             <a:pPr lvl="3"/>
@@ -3019,6 +2924,7 @@
               <a:rPr lang="zh-CN" altLang="en-US" smtClean="0"/>
               <a:t>第四级</a:t>
             </a:r>
+            <a:endParaRPr lang="zh-CN" altLang="en-US" smtClean="0"/>
           </a:p>
           <a:p>
             <a:pPr lvl="4"/>
@@ -3060,7 +2966,6 @@
                   </a:prstClr>
                 </a:solidFill>
               </a:rPr>
-              <a:t>2017/11/3 Friday</a:t>
             </a:fld>
             <a:endParaRPr lang="zh-CN" altLang="en-US">
               <a:solidFill>
@@ -3132,7 +3037,6 @@
               <a:buSzTx/>
               <a:buFontTx/>
               <a:buNone/>
-              <a:tabLst/>
               <a:defRPr sz="2000">
                 <a:solidFill>
                   <a:schemeClr val="tx1"/>
@@ -3158,10 +3062,6 @@
                   <a:prstClr val="black"/>
                 </a:solidFill>
               </a:rPr>
-              <a:pPr>
-                <a:defRPr/>
-              </a:pPr>
-              <a:t>‹#›</a:t>
             </a:fld>
             <a:r>
               <a:rPr lang="zh-CN" altLang="en-US">
@@ -3188,11 +3088,6 @@
         </p:txBody>
       </p:sp>
     </p:spTree>
-    <p:extLst>
-      <p:ext uri="{BB962C8B-B14F-4D97-AF65-F5344CB8AC3E}">
-        <p14:creationId xmlns:p14="http://schemas.microsoft.com/office/powerpoint/2010/main" val="3498031158"/>
-      </p:ext>
-    </p:extLst>
   </p:cSld>
   <p:clrMapOvr>
     <a:masterClrMapping/>
@@ -3306,6 +3201,7 @@
               <a:rPr lang="zh-CN" altLang="en-US" dirty="0" smtClean="0"/>
               <a:t>单击此处编辑母版文本样式</a:t>
             </a:r>
+            <a:endParaRPr lang="zh-CN" altLang="en-US" dirty="0" smtClean="0"/>
           </a:p>
         </p:txBody>
       </p:sp>
@@ -3362,6 +3258,7 @@
               <a:rPr lang="zh-CN" altLang="en-US" dirty="0" smtClean="0"/>
               <a:t>单击此处编辑母版文本样式</a:t>
             </a:r>
+            <a:endParaRPr lang="zh-CN" altLang="en-US" dirty="0" smtClean="0"/>
           </a:p>
           <a:p>
             <a:pPr lvl="1"/>
@@ -3369,6 +3266,7 @@
               <a:rPr lang="zh-CN" altLang="en-US" dirty="0" smtClean="0"/>
               <a:t>第二级</a:t>
             </a:r>
+            <a:endParaRPr lang="zh-CN" altLang="en-US" dirty="0" smtClean="0"/>
           </a:p>
           <a:p>
             <a:pPr lvl="2"/>
@@ -3376,6 +3274,7 @@
               <a:rPr lang="zh-CN" altLang="en-US" dirty="0" smtClean="0"/>
               <a:t>第三级</a:t>
             </a:r>
+            <a:endParaRPr lang="zh-CN" altLang="en-US" dirty="0" smtClean="0"/>
           </a:p>
           <a:p>
             <a:pPr lvl="3"/>
@@ -3383,6 +3282,7 @@
               <a:rPr lang="zh-CN" altLang="en-US" dirty="0" smtClean="0"/>
               <a:t>第四级</a:t>
             </a:r>
+            <a:endParaRPr lang="zh-CN" altLang="en-US" dirty="0" smtClean="0"/>
           </a:p>
           <a:p>
             <a:pPr lvl="4"/>
@@ -3456,6 +3356,7 @@
               <a:rPr lang="zh-CN" altLang="en-US" dirty="0" smtClean="0"/>
               <a:t>单击此处编辑母版文本样式</a:t>
             </a:r>
+            <a:endParaRPr lang="zh-CN" altLang="en-US" dirty="0" smtClean="0"/>
           </a:p>
         </p:txBody>
       </p:sp>
@@ -3512,6 +3413,7 @@
               <a:rPr lang="zh-CN" altLang="en-US" dirty="0" smtClean="0"/>
               <a:t>单击此处编辑母版文本样式</a:t>
             </a:r>
+            <a:endParaRPr lang="zh-CN" altLang="en-US" dirty="0" smtClean="0"/>
           </a:p>
           <a:p>
             <a:pPr lvl="1"/>
@@ -3519,6 +3421,7 @@
               <a:rPr lang="zh-CN" altLang="en-US" dirty="0" smtClean="0"/>
               <a:t>第二级</a:t>
             </a:r>
+            <a:endParaRPr lang="zh-CN" altLang="en-US" dirty="0" smtClean="0"/>
           </a:p>
           <a:p>
             <a:pPr lvl="2"/>
@@ -3526,6 +3429,7 @@
               <a:rPr lang="zh-CN" altLang="en-US" dirty="0" smtClean="0"/>
               <a:t>第三级</a:t>
             </a:r>
+            <a:endParaRPr lang="zh-CN" altLang="en-US" dirty="0" smtClean="0"/>
           </a:p>
           <a:p>
             <a:pPr lvl="3"/>
@@ -3533,6 +3437,7 @@
               <a:rPr lang="zh-CN" altLang="en-US" dirty="0" smtClean="0"/>
               <a:t>第四级</a:t>
             </a:r>
+            <a:endParaRPr lang="zh-CN" altLang="en-US" dirty="0" smtClean="0"/>
           </a:p>
           <a:p>
             <a:pPr lvl="4"/>
@@ -3574,7 +3479,6 @@
                   </a:prstClr>
                 </a:solidFill>
               </a:rPr>
-              <a:t>2017/11/3 Friday</a:t>
             </a:fld>
             <a:endParaRPr lang="zh-CN" altLang="en-US">
               <a:solidFill>
@@ -3658,10 +3562,6 @@
                   <a:prstClr val="black"/>
                 </a:solidFill>
               </a:rPr>
-              <a:pPr>
-                <a:defRPr/>
-              </a:pPr>
-              <a:t>‹#›</a:t>
             </a:fld>
             <a:r>
               <a:rPr lang="zh-CN" altLang="en-US">
@@ -3688,11 +3588,6 @@
         </p:txBody>
       </p:sp>
     </p:spTree>
-    <p:extLst>
-      <p:ext uri="{BB962C8B-B14F-4D97-AF65-F5344CB8AC3E}">
-        <p14:creationId xmlns:p14="http://schemas.microsoft.com/office/powerpoint/2010/main" val="1894967320"/>
-      </p:ext>
-    </p:extLst>
   </p:cSld>
   <p:clrMapOvr>
     <a:masterClrMapping/>
@@ -3770,7 +3665,6 @@
                   </a:prstClr>
                 </a:solidFill>
               </a:rPr>
-              <a:t>2017/11/3 Friday</a:t>
             </a:fld>
             <a:endParaRPr lang="zh-CN" altLang="en-US">
               <a:solidFill>
@@ -3842,7 +3736,6 @@
               <a:buSzTx/>
               <a:buFontTx/>
               <a:buNone/>
-              <a:tabLst/>
               <a:defRPr sz="2000">
                 <a:solidFill>
                   <a:schemeClr val="tx1"/>
@@ -3868,10 +3761,6 @@
                   <a:prstClr val="black"/>
                 </a:solidFill>
               </a:rPr>
-              <a:pPr>
-                <a:defRPr/>
-              </a:pPr>
-              <a:t>‹#›</a:t>
             </a:fld>
             <a:r>
               <a:rPr lang="zh-CN" altLang="en-US">
@@ -3898,11 +3787,6 @@
         </p:txBody>
       </p:sp>
     </p:spTree>
-    <p:extLst>
-      <p:ext uri="{BB962C8B-B14F-4D97-AF65-F5344CB8AC3E}">
-        <p14:creationId xmlns:p14="http://schemas.microsoft.com/office/powerpoint/2010/main" val="1696531539"/>
-      </p:ext>
-    </p:extLst>
   </p:cSld>
   <p:clrMapOvr>
     <a:masterClrMapping/>
@@ -3957,7 +3841,6 @@
                   </a:prstClr>
                 </a:solidFill>
               </a:rPr>
-              <a:t>2017/11/3 Friday</a:t>
             </a:fld>
             <a:endParaRPr lang="zh-CN" altLang="en-US">
               <a:solidFill>
@@ -4041,10 +3924,6 @@
                   <a:prstClr val="black"/>
                 </a:solidFill>
               </a:rPr>
-              <a:pPr>
-                <a:defRPr/>
-              </a:pPr>
-              <a:t>‹#›</a:t>
             </a:fld>
             <a:r>
               <a:rPr lang="zh-CN" altLang="en-US">
@@ -4071,11 +3950,6 @@
         </p:txBody>
       </p:sp>
     </p:spTree>
-    <p:extLst>
-      <p:ext uri="{BB962C8B-B14F-4D97-AF65-F5344CB8AC3E}">
-        <p14:creationId xmlns:p14="http://schemas.microsoft.com/office/powerpoint/2010/main" val="388188479"/>
-      </p:ext>
-    </p:extLst>
   </p:cSld>
   <p:clrMapOvr>
     <a:masterClrMapping/>
@@ -4189,6 +4063,7 @@
               <a:rPr lang="zh-CN" altLang="en-US" dirty="0" smtClean="0"/>
               <a:t>单击此处编辑母版文本样式</a:t>
             </a:r>
+            <a:endParaRPr lang="zh-CN" altLang="en-US" dirty="0" smtClean="0"/>
           </a:p>
           <a:p>
             <a:pPr lvl="1"/>
@@ -4196,6 +4071,7 @@
               <a:rPr lang="zh-CN" altLang="en-US" dirty="0" smtClean="0"/>
               <a:t>第二级</a:t>
             </a:r>
+            <a:endParaRPr lang="zh-CN" altLang="en-US" dirty="0" smtClean="0"/>
           </a:p>
           <a:p>
             <a:pPr lvl="2"/>
@@ -4203,6 +4079,7 @@
               <a:rPr lang="zh-CN" altLang="en-US" dirty="0" smtClean="0"/>
               <a:t>第三级</a:t>
             </a:r>
+            <a:endParaRPr lang="zh-CN" altLang="en-US" dirty="0" smtClean="0"/>
           </a:p>
           <a:p>
             <a:pPr lvl="3"/>
@@ -4210,6 +4087,7 @@
               <a:rPr lang="zh-CN" altLang="en-US" dirty="0" smtClean="0"/>
               <a:t>第四级</a:t>
             </a:r>
+            <a:endParaRPr lang="zh-CN" altLang="en-US" dirty="0" smtClean="0"/>
           </a:p>
           <a:p>
             <a:pPr lvl="4"/>
@@ -4283,6 +4161,7 @@
               <a:rPr lang="zh-CN" altLang="en-US" dirty="0" smtClean="0"/>
               <a:t>单击此处编辑母版文本样式</a:t>
             </a:r>
+            <a:endParaRPr lang="zh-CN" altLang="en-US" dirty="0" smtClean="0"/>
           </a:p>
         </p:txBody>
       </p:sp>
@@ -4316,7 +4195,6 @@
                   </a:prstClr>
                 </a:solidFill>
               </a:rPr>
-              <a:t>2017/11/3 Friday</a:t>
             </a:fld>
             <a:endParaRPr lang="zh-CN" altLang="en-US">
               <a:solidFill>
@@ -4400,10 +4278,6 @@
                   <a:prstClr val="black"/>
                 </a:solidFill>
               </a:rPr>
-              <a:pPr>
-                <a:defRPr/>
-              </a:pPr>
-              <a:t>‹#›</a:t>
             </a:fld>
             <a:r>
               <a:rPr lang="zh-CN" altLang="en-US">
@@ -4430,11 +4304,6 @@
         </p:txBody>
       </p:sp>
     </p:spTree>
-    <p:extLst>
-      <p:ext uri="{BB962C8B-B14F-4D97-AF65-F5344CB8AC3E}">
-        <p14:creationId xmlns:p14="http://schemas.microsoft.com/office/powerpoint/2010/main" val="3568742"/>
-      </p:ext>
-    </p:extLst>
   </p:cSld>
   <p:clrMapOvr>
     <a:masterClrMapping/>
@@ -4506,6 +4375,7 @@
               <a:rPr lang="zh-CN" altLang="en-US" dirty="0" smtClean="0"/>
               <a:t>单击此处编辑母版文本样式</a:t>
             </a:r>
+            <a:endParaRPr lang="zh-CN" altLang="en-US" dirty="0" smtClean="0"/>
           </a:p>
           <a:p>
             <a:pPr lvl="1"/>
@@ -4513,6 +4383,7 @@
               <a:rPr lang="zh-CN" altLang="en-US" dirty="0" smtClean="0"/>
               <a:t>第二级</a:t>
             </a:r>
+            <a:endParaRPr lang="zh-CN" altLang="en-US" dirty="0" smtClean="0"/>
           </a:p>
           <a:p>
             <a:pPr lvl="2"/>
@@ -4520,6 +4391,7 @@
               <a:rPr lang="zh-CN" altLang="en-US" dirty="0" smtClean="0"/>
               <a:t>第三级</a:t>
             </a:r>
+            <a:endParaRPr lang="zh-CN" altLang="en-US" dirty="0" smtClean="0"/>
           </a:p>
           <a:p>
             <a:pPr lvl="3"/>
@@ -4527,6 +4399,7 @@
               <a:rPr lang="zh-CN" altLang="en-US" dirty="0" smtClean="0"/>
               <a:t>第四级</a:t>
             </a:r>
+            <a:endParaRPr lang="zh-CN" altLang="en-US" dirty="0" smtClean="0"/>
           </a:p>
           <a:p>
             <a:pPr lvl="4"/>
@@ -4568,7 +4441,6 @@
                   </a:prstClr>
                 </a:solidFill>
               </a:rPr>
-              <a:t>2017/11/3 Friday</a:t>
             </a:fld>
             <a:endParaRPr lang="zh-CN" altLang="en-US">
               <a:solidFill>
@@ -4652,10 +4524,6 @@
                   <a:prstClr val="black"/>
                 </a:solidFill>
               </a:rPr>
-              <a:pPr>
-                <a:defRPr/>
-              </a:pPr>
-              <a:t>‹#›</a:t>
             </a:fld>
             <a:r>
               <a:rPr lang="zh-CN" altLang="en-US">
@@ -4682,11 +4550,6 @@
         </p:txBody>
       </p:sp>
     </p:spTree>
-    <p:extLst>
-      <p:ext uri="{BB962C8B-B14F-4D97-AF65-F5344CB8AC3E}">
-        <p14:creationId xmlns:p14="http://schemas.microsoft.com/office/powerpoint/2010/main" val="2156226491"/>
-      </p:ext>
-    </p:extLst>
   </p:cSld>
   <p:clrMapOvr>
     <a:masterClrMapping/>
@@ -4869,6 +4732,7 @@
               <a:rPr lang="zh-CN" altLang="en-US" smtClean="0"/>
               <a:t>单击此处编辑母版文本样式</a:t>
             </a:r>
+            <a:endParaRPr lang="zh-CN" altLang="en-US" smtClean="0"/>
           </a:p>
         </p:txBody>
       </p:sp>
@@ -4902,7 +4766,6 @@
                   </a:prstClr>
                 </a:solidFill>
               </a:rPr>
-              <a:t>2017/11/3 Friday</a:t>
             </a:fld>
             <a:endParaRPr lang="zh-CN" altLang="en-US">
               <a:solidFill>
@@ -4974,7 +4837,6 @@
               <a:buSzTx/>
               <a:buFontTx/>
               <a:buNone/>
-              <a:tabLst/>
               <a:defRPr sz="2000">
                 <a:solidFill>
                   <a:schemeClr val="tx1"/>
@@ -5000,10 +4862,6 @@
                   <a:prstClr val="black"/>
                 </a:solidFill>
               </a:rPr>
-              <a:pPr>
-                <a:defRPr/>
-              </a:pPr>
-              <a:t>‹#›</a:t>
             </a:fld>
             <a:r>
               <a:rPr lang="zh-CN" altLang="en-US">
@@ -5030,11 +4888,6 @@
         </p:txBody>
       </p:sp>
     </p:spTree>
-    <p:extLst>
-      <p:ext uri="{BB962C8B-B14F-4D97-AF65-F5344CB8AC3E}">
-        <p14:creationId xmlns:p14="http://schemas.microsoft.com/office/powerpoint/2010/main" val="3532762387"/>
-      </p:ext>
-    </p:extLst>
   </p:cSld>
   <p:clrMapOvr>
     <a:masterClrMapping/>
@@ -5106,6 +4959,7 @@
               <a:rPr lang="zh-CN" altLang="en-US" dirty="0" smtClean="0"/>
               <a:t>单击此处编辑母版文本样式</a:t>
             </a:r>
+            <a:endParaRPr lang="zh-CN" altLang="en-US" dirty="0" smtClean="0"/>
           </a:p>
           <a:p>
             <a:pPr lvl="1"/>
@@ -5113,6 +4967,7 @@
               <a:rPr lang="zh-CN" altLang="en-US" dirty="0" smtClean="0"/>
               <a:t>第二级</a:t>
             </a:r>
+            <a:endParaRPr lang="zh-CN" altLang="en-US" dirty="0" smtClean="0"/>
           </a:p>
           <a:p>
             <a:pPr lvl="2"/>
@@ -5120,6 +4975,7 @@
               <a:rPr lang="zh-CN" altLang="en-US" dirty="0" smtClean="0"/>
               <a:t>第三级</a:t>
             </a:r>
+            <a:endParaRPr lang="zh-CN" altLang="en-US" dirty="0" smtClean="0"/>
           </a:p>
           <a:p>
             <a:pPr lvl="3"/>
@@ -5127,6 +4983,7 @@
               <a:rPr lang="zh-CN" altLang="en-US" dirty="0" smtClean="0"/>
               <a:t>第四级</a:t>
             </a:r>
+            <a:endParaRPr lang="zh-CN" altLang="en-US" dirty="0" smtClean="0"/>
           </a:p>
           <a:p>
             <a:pPr lvl="4"/>
@@ -5168,7 +5025,6 @@
                   </a:prstClr>
                 </a:solidFill>
               </a:rPr>
-              <a:t>2017/11/3 Friday</a:t>
             </a:fld>
             <a:endParaRPr lang="zh-CN" altLang="en-US">
               <a:solidFill>
@@ -5240,7 +5096,6 @@
               <a:buSzTx/>
               <a:buFontTx/>
               <a:buNone/>
-              <a:tabLst/>
               <a:defRPr sz="2000">
                 <a:solidFill>
                   <a:schemeClr val="tx1"/>
@@ -5266,10 +5121,6 @@
                   <a:prstClr val="black"/>
                 </a:solidFill>
               </a:rPr>
-              <a:pPr>
-                <a:defRPr/>
-              </a:pPr>
-              <a:t>‹#›</a:t>
             </a:fld>
             <a:r>
               <a:rPr lang="zh-CN" altLang="en-US">
@@ -5296,11 +5147,6 @@
         </p:txBody>
       </p:sp>
     </p:spTree>
-    <p:extLst>
-      <p:ext uri="{BB962C8B-B14F-4D97-AF65-F5344CB8AC3E}">
-        <p14:creationId xmlns:p14="http://schemas.microsoft.com/office/powerpoint/2010/main" val="4189831128"/>
-      </p:ext>
-    </p:extLst>
   </p:cSld>
   <p:clrMapOvr>
     <a:masterClrMapping/>
@@ -5388,6 +5234,7 @@
               <a:rPr lang="zh-CN" altLang="en-US" smtClean="0"/>
               <a:t>单击此处编辑母版文本样式</a:t>
             </a:r>
+            <a:endParaRPr lang="zh-CN" altLang="en-US" smtClean="0"/>
           </a:p>
           <a:p>
             <a:pPr lvl="1"/>
@@ -5395,6 +5242,7 @@
               <a:rPr lang="zh-CN" altLang="en-US" smtClean="0"/>
               <a:t>第二级</a:t>
             </a:r>
+            <a:endParaRPr lang="zh-CN" altLang="en-US" smtClean="0"/>
           </a:p>
           <a:p>
             <a:pPr lvl="2"/>
@@ -5402,6 +5250,7 @@
               <a:rPr lang="zh-CN" altLang="en-US" smtClean="0"/>
               <a:t>第三级</a:t>
             </a:r>
+            <a:endParaRPr lang="zh-CN" altLang="en-US" smtClean="0"/>
           </a:p>
           <a:p>
             <a:pPr lvl="3"/>
@@ -5409,6 +5258,7 @@
               <a:rPr lang="zh-CN" altLang="en-US" smtClean="0"/>
               <a:t>第四级</a:t>
             </a:r>
+            <a:endParaRPr lang="zh-CN" altLang="en-US" smtClean="0"/>
           </a:p>
           <a:p>
             <a:pPr lvl="4"/>
@@ -5450,7 +5300,6 @@
                   </a:prstClr>
                 </a:solidFill>
               </a:rPr>
-              <a:t>2017/11/3 Friday</a:t>
             </a:fld>
             <a:endParaRPr lang="zh-CN" altLang="en-US">
               <a:solidFill>
@@ -5522,7 +5371,6 @@
               <a:buSzTx/>
               <a:buFontTx/>
               <a:buNone/>
-              <a:tabLst/>
               <a:defRPr sz="2000">
                 <a:solidFill>
                   <a:schemeClr val="tx1"/>
@@ -5548,10 +5396,6 @@
                   <a:prstClr val="black"/>
                 </a:solidFill>
               </a:rPr>
-              <a:pPr>
-                <a:defRPr/>
-              </a:pPr>
-              <a:t>‹#›</a:t>
             </a:fld>
             <a:r>
               <a:rPr lang="zh-CN" altLang="en-US">
@@ -5578,11 +5422,6 @@
         </p:txBody>
       </p:sp>
     </p:spTree>
-    <p:extLst>
-      <p:ext uri="{BB962C8B-B14F-4D97-AF65-F5344CB8AC3E}">
-        <p14:creationId xmlns:p14="http://schemas.microsoft.com/office/powerpoint/2010/main" val="3927471640"/>
-      </p:ext>
-    </p:extLst>
   </p:cSld>
   <p:clrMapOvr>
     <a:masterClrMapping/>
@@ -5755,6 +5594,7 @@
               <a:rPr lang="zh-CN" altLang="en-US" smtClean="0"/>
               <a:t>单击此处编辑母版文本样式</a:t>
             </a:r>
+            <a:endParaRPr lang="zh-CN" altLang="en-US" smtClean="0"/>
           </a:p>
         </p:txBody>
       </p:sp>
@@ -5788,7 +5628,6 @@
                   </a:prstClr>
                 </a:solidFill>
               </a:rPr>
-              <a:t>2017/11/3 Friday</a:t>
             </a:fld>
             <a:endParaRPr lang="zh-CN" altLang="en-US">
               <a:solidFill>
@@ -5872,10 +5711,6 @@
                   <a:prstClr val="black"/>
                 </a:solidFill>
               </a:rPr>
-              <a:pPr>
-                <a:defRPr/>
-              </a:pPr>
-              <a:t>‹#›</a:t>
             </a:fld>
             <a:r>
               <a:rPr lang="zh-CN" altLang="en-US">
@@ -5902,11 +5737,6 @@
         </p:txBody>
       </p:sp>
     </p:spTree>
-    <p:extLst>
-      <p:ext uri="{BB962C8B-B14F-4D97-AF65-F5344CB8AC3E}">
-        <p14:creationId xmlns:p14="http://schemas.microsoft.com/office/powerpoint/2010/main" val="201669516"/>
-      </p:ext>
-    </p:extLst>
   </p:cSld>
   <p:clrMapOvr>
     <a:masterClrMapping/>
@@ -6007,6 +5837,7 @@
               <a:rPr lang="zh-CN" altLang="en-US" smtClean="0"/>
               <a:t>单击此处编辑母版文本样式</a:t>
             </a:r>
+            <a:endParaRPr lang="zh-CN" altLang="en-US" smtClean="0"/>
           </a:p>
           <a:p>
             <a:pPr lvl="1"/>
@@ -6014,6 +5845,7 @@
               <a:rPr lang="zh-CN" altLang="en-US" smtClean="0"/>
               <a:t>第二级</a:t>
             </a:r>
+            <a:endParaRPr lang="zh-CN" altLang="en-US" smtClean="0"/>
           </a:p>
           <a:p>
             <a:pPr lvl="2"/>
@@ -6021,6 +5853,7 @@
               <a:rPr lang="zh-CN" altLang="en-US" smtClean="0"/>
               <a:t>第三级</a:t>
             </a:r>
+            <a:endParaRPr lang="zh-CN" altLang="en-US" smtClean="0"/>
           </a:p>
           <a:p>
             <a:pPr lvl="3"/>
@@ -6028,6 +5861,7 @@
               <a:rPr lang="zh-CN" altLang="en-US" smtClean="0"/>
               <a:t>第四级</a:t>
             </a:r>
+            <a:endParaRPr lang="zh-CN" altLang="en-US" smtClean="0"/>
           </a:p>
           <a:p>
             <a:pPr lvl="4"/>
@@ -6092,6 +5926,7 @@
               <a:rPr lang="zh-CN" altLang="en-US" smtClean="0"/>
               <a:t>单击此处编辑母版文本样式</a:t>
             </a:r>
+            <a:endParaRPr lang="zh-CN" altLang="en-US" smtClean="0"/>
           </a:p>
           <a:p>
             <a:pPr lvl="1"/>
@@ -6099,6 +5934,7 @@
               <a:rPr lang="zh-CN" altLang="en-US" smtClean="0"/>
               <a:t>第二级</a:t>
             </a:r>
+            <a:endParaRPr lang="zh-CN" altLang="en-US" smtClean="0"/>
           </a:p>
           <a:p>
             <a:pPr lvl="2"/>
@@ -6106,6 +5942,7 @@
               <a:rPr lang="zh-CN" altLang="en-US" smtClean="0"/>
               <a:t>第三级</a:t>
             </a:r>
+            <a:endParaRPr lang="zh-CN" altLang="en-US" smtClean="0"/>
           </a:p>
           <a:p>
             <a:pPr lvl="3"/>
@@ -6113,6 +5950,7 @@
               <a:rPr lang="zh-CN" altLang="en-US" smtClean="0"/>
               <a:t>第四级</a:t>
             </a:r>
+            <a:endParaRPr lang="zh-CN" altLang="en-US" smtClean="0"/>
           </a:p>
           <a:p>
             <a:pPr lvl="4"/>
@@ -6154,7 +5992,6 @@
                   </a:prstClr>
                 </a:solidFill>
               </a:rPr>
-              <a:t>2017/11/3 Friday</a:t>
             </a:fld>
             <a:endParaRPr lang="zh-CN" altLang="en-US">
               <a:solidFill>
@@ -6226,7 +6063,6 @@
               <a:buSzTx/>
               <a:buFontTx/>
               <a:buNone/>
-              <a:tabLst/>
               <a:defRPr sz="2000">
                 <a:solidFill>
                   <a:schemeClr val="tx1"/>
@@ -6252,10 +6088,6 @@
                   <a:prstClr val="black"/>
                 </a:solidFill>
               </a:rPr>
-              <a:pPr>
-                <a:defRPr/>
-              </a:pPr>
-              <a:t>‹#›</a:t>
             </a:fld>
             <a:r>
               <a:rPr lang="zh-CN" altLang="en-US">
@@ -6282,11 +6114,6 @@
         </p:txBody>
       </p:sp>
     </p:spTree>
-    <p:extLst>
-      <p:ext uri="{BB962C8B-B14F-4D97-AF65-F5344CB8AC3E}">
-        <p14:creationId xmlns:p14="http://schemas.microsoft.com/office/powerpoint/2010/main" val="955637520"/>
-      </p:ext>
-    </p:extLst>
   </p:cSld>
   <p:clrMapOvr>
     <a:masterClrMapping/>
@@ -6400,6 +6227,7 @@
               <a:rPr lang="zh-CN" altLang="en-US" dirty="0" smtClean="0"/>
               <a:t>单击此处编辑母版文本样式</a:t>
             </a:r>
+            <a:endParaRPr lang="zh-CN" altLang="en-US" dirty="0" smtClean="0"/>
           </a:p>
         </p:txBody>
       </p:sp>
@@ -6456,6 +6284,7 @@
               <a:rPr lang="zh-CN" altLang="en-US" dirty="0" smtClean="0"/>
               <a:t>单击此处编辑母版文本样式</a:t>
             </a:r>
+            <a:endParaRPr lang="zh-CN" altLang="en-US" dirty="0" smtClean="0"/>
           </a:p>
           <a:p>
             <a:pPr lvl="1"/>
@@ -6463,6 +6292,7 @@
               <a:rPr lang="zh-CN" altLang="en-US" dirty="0" smtClean="0"/>
               <a:t>第二级</a:t>
             </a:r>
+            <a:endParaRPr lang="zh-CN" altLang="en-US" dirty="0" smtClean="0"/>
           </a:p>
           <a:p>
             <a:pPr lvl="2"/>
@@ -6470,6 +6300,7 @@
               <a:rPr lang="zh-CN" altLang="en-US" dirty="0" smtClean="0"/>
               <a:t>第三级</a:t>
             </a:r>
+            <a:endParaRPr lang="zh-CN" altLang="en-US" dirty="0" smtClean="0"/>
           </a:p>
           <a:p>
             <a:pPr lvl="3"/>
@@ -6477,6 +6308,7 @@
               <a:rPr lang="zh-CN" altLang="en-US" dirty="0" smtClean="0"/>
               <a:t>第四级</a:t>
             </a:r>
+            <a:endParaRPr lang="zh-CN" altLang="en-US" dirty="0" smtClean="0"/>
           </a:p>
           <a:p>
             <a:pPr lvl="4"/>
@@ -6550,6 +6382,7 @@
               <a:rPr lang="zh-CN" altLang="en-US" dirty="0" smtClean="0"/>
               <a:t>单击此处编辑母版文本样式</a:t>
             </a:r>
+            <a:endParaRPr lang="zh-CN" altLang="en-US" dirty="0" smtClean="0"/>
           </a:p>
         </p:txBody>
       </p:sp>
@@ -6606,6 +6439,7 @@
               <a:rPr lang="zh-CN" altLang="en-US" dirty="0" smtClean="0"/>
               <a:t>单击此处编辑母版文本样式</a:t>
             </a:r>
+            <a:endParaRPr lang="zh-CN" altLang="en-US" dirty="0" smtClean="0"/>
           </a:p>
           <a:p>
             <a:pPr lvl="1"/>
@@ -6613,6 +6447,7 @@
               <a:rPr lang="zh-CN" altLang="en-US" dirty="0" smtClean="0"/>
               <a:t>第二级</a:t>
             </a:r>
+            <a:endParaRPr lang="zh-CN" altLang="en-US" dirty="0" smtClean="0"/>
           </a:p>
           <a:p>
             <a:pPr lvl="2"/>
@@ -6620,6 +6455,7 @@
               <a:rPr lang="zh-CN" altLang="en-US" dirty="0" smtClean="0"/>
               <a:t>第三级</a:t>
             </a:r>
+            <a:endParaRPr lang="zh-CN" altLang="en-US" dirty="0" smtClean="0"/>
           </a:p>
           <a:p>
             <a:pPr lvl="3"/>
@@ -6627,6 +6463,7 @@
               <a:rPr lang="zh-CN" altLang="en-US" dirty="0" smtClean="0"/>
               <a:t>第四级</a:t>
             </a:r>
+            <a:endParaRPr lang="zh-CN" altLang="en-US" dirty="0" smtClean="0"/>
           </a:p>
           <a:p>
             <a:pPr lvl="4"/>
@@ -6668,7 +6505,6 @@
                   </a:prstClr>
                 </a:solidFill>
               </a:rPr>
-              <a:t>2017/11/3 Friday</a:t>
             </a:fld>
             <a:endParaRPr lang="zh-CN" altLang="en-US">
               <a:solidFill>
@@ -6752,10 +6588,6 @@
                   <a:prstClr val="black"/>
                 </a:solidFill>
               </a:rPr>
-              <a:pPr>
-                <a:defRPr/>
-              </a:pPr>
-              <a:t>‹#›</a:t>
             </a:fld>
             <a:r>
               <a:rPr lang="zh-CN" altLang="en-US">
@@ -6782,11 +6614,6 @@
         </p:txBody>
       </p:sp>
     </p:spTree>
-    <p:extLst>
-      <p:ext uri="{BB962C8B-B14F-4D97-AF65-F5344CB8AC3E}">
-        <p14:creationId xmlns:p14="http://schemas.microsoft.com/office/powerpoint/2010/main" val="3676565330"/>
-      </p:ext>
-    </p:extLst>
   </p:cSld>
   <p:clrMapOvr>
     <a:masterClrMapping/>
@@ -6864,7 +6691,6 @@
                   </a:prstClr>
                 </a:solidFill>
               </a:rPr>
-              <a:t>2017/11/3 Friday</a:t>
             </a:fld>
             <a:endParaRPr lang="zh-CN" altLang="en-US">
               <a:solidFill>
@@ -6936,7 +6762,6 @@
               <a:buSzTx/>
               <a:buFontTx/>
               <a:buNone/>
-              <a:tabLst/>
               <a:defRPr sz="2000">
                 <a:solidFill>
                   <a:schemeClr val="tx1"/>
@@ -6962,10 +6787,6 @@
                   <a:prstClr val="black"/>
                 </a:solidFill>
               </a:rPr>
-              <a:pPr>
-                <a:defRPr/>
-              </a:pPr>
-              <a:t>‹#›</a:t>
             </a:fld>
             <a:r>
               <a:rPr lang="zh-CN" altLang="en-US">
@@ -6992,11 +6813,6 @@
         </p:txBody>
       </p:sp>
     </p:spTree>
-    <p:extLst>
-      <p:ext uri="{BB962C8B-B14F-4D97-AF65-F5344CB8AC3E}">
-        <p14:creationId xmlns:p14="http://schemas.microsoft.com/office/powerpoint/2010/main" val="342607598"/>
-      </p:ext>
-    </p:extLst>
   </p:cSld>
   <p:clrMapOvr>
     <a:masterClrMapping/>
@@ -7051,7 +6867,6 @@
                   </a:prstClr>
                 </a:solidFill>
               </a:rPr>
-              <a:t>2017/11/3 Friday</a:t>
             </a:fld>
             <a:endParaRPr lang="zh-CN" altLang="en-US">
               <a:solidFill>
@@ -7135,10 +6950,6 @@
                   <a:prstClr val="black"/>
                 </a:solidFill>
               </a:rPr>
-              <a:pPr>
-                <a:defRPr/>
-              </a:pPr>
-              <a:t>‹#›</a:t>
             </a:fld>
             <a:r>
               <a:rPr lang="zh-CN" altLang="en-US">
@@ -7165,11 +6976,6 @@
         </p:txBody>
       </p:sp>
     </p:spTree>
-    <p:extLst>
-      <p:ext uri="{BB962C8B-B14F-4D97-AF65-F5344CB8AC3E}">
-        <p14:creationId xmlns:p14="http://schemas.microsoft.com/office/powerpoint/2010/main" val="964713430"/>
-      </p:ext>
-    </p:extLst>
   </p:cSld>
   <p:clrMapOvr>
     <a:masterClrMapping/>
@@ -7283,6 +7089,7 @@
               <a:rPr lang="zh-CN" altLang="en-US" dirty="0" smtClean="0"/>
               <a:t>单击此处编辑母版文本样式</a:t>
             </a:r>
+            <a:endParaRPr lang="zh-CN" altLang="en-US" dirty="0" smtClean="0"/>
           </a:p>
           <a:p>
             <a:pPr lvl="1"/>
@@ -7290,6 +7097,7 @@
               <a:rPr lang="zh-CN" altLang="en-US" dirty="0" smtClean="0"/>
               <a:t>第二级</a:t>
             </a:r>
+            <a:endParaRPr lang="zh-CN" altLang="en-US" dirty="0" smtClean="0"/>
           </a:p>
           <a:p>
             <a:pPr lvl="2"/>
@@ -7297,6 +7105,7 @@
               <a:rPr lang="zh-CN" altLang="en-US" dirty="0" smtClean="0"/>
               <a:t>第三级</a:t>
             </a:r>
+            <a:endParaRPr lang="zh-CN" altLang="en-US" dirty="0" smtClean="0"/>
           </a:p>
           <a:p>
             <a:pPr lvl="3"/>
@@ -7304,6 +7113,7 @@
               <a:rPr lang="zh-CN" altLang="en-US" dirty="0" smtClean="0"/>
               <a:t>第四级</a:t>
             </a:r>
+            <a:endParaRPr lang="zh-CN" altLang="en-US" dirty="0" smtClean="0"/>
           </a:p>
           <a:p>
             <a:pPr lvl="4"/>
@@ -7377,6 +7187,7 @@
               <a:rPr lang="zh-CN" altLang="en-US" dirty="0" smtClean="0"/>
               <a:t>单击此处编辑母版文本样式</a:t>
             </a:r>
+            <a:endParaRPr lang="zh-CN" altLang="en-US" dirty="0" smtClean="0"/>
           </a:p>
         </p:txBody>
       </p:sp>
@@ -7410,7 +7221,6 @@
                   </a:prstClr>
                 </a:solidFill>
               </a:rPr>
-              <a:t>2017/11/3 Friday</a:t>
             </a:fld>
             <a:endParaRPr lang="zh-CN" altLang="en-US">
               <a:solidFill>
@@ -7494,10 +7304,6 @@
                   <a:prstClr val="black"/>
                 </a:solidFill>
               </a:rPr>
-              <a:pPr>
-                <a:defRPr/>
-              </a:pPr>
-              <a:t>‹#›</a:t>
             </a:fld>
             <a:r>
               <a:rPr lang="zh-CN" altLang="en-US">
@@ -7524,11 +7330,6 @@
         </p:txBody>
       </p:sp>
     </p:spTree>
-    <p:extLst>
-      <p:ext uri="{BB962C8B-B14F-4D97-AF65-F5344CB8AC3E}">
-        <p14:creationId xmlns:p14="http://schemas.microsoft.com/office/powerpoint/2010/main" val="890958022"/>
-      </p:ext>
-    </p:extLst>
   </p:cSld>
   <p:clrMapOvr>
     <a:masterClrMapping/>
@@ -7711,6 +7512,7 @@
               <a:rPr lang="zh-CN" altLang="en-US" smtClean="0"/>
               <a:t>单击此处编辑母版文本样式</a:t>
             </a:r>
+            <a:endParaRPr lang="zh-CN" altLang="en-US" smtClean="0"/>
           </a:p>
         </p:txBody>
       </p:sp>
@@ -7744,7 +7546,6 @@
                   </a:prstClr>
                 </a:solidFill>
               </a:rPr>
-              <a:t>2017/11/3 Friday</a:t>
             </a:fld>
             <a:endParaRPr lang="zh-CN" altLang="en-US">
               <a:solidFill>
@@ -7816,7 +7617,6 @@
               <a:buSzTx/>
               <a:buFontTx/>
               <a:buNone/>
-              <a:tabLst/>
               <a:defRPr sz="2000">
                 <a:solidFill>
                   <a:schemeClr val="tx1"/>
@@ -7842,10 +7642,6 @@
                   <a:prstClr val="black"/>
                 </a:solidFill>
               </a:rPr>
-              <a:pPr>
-                <a:defRPr/>
-              </a:pPr>
-              <a:t>‹#›</a:t>
             </a:fld>
             <a:r>
               <a:rPr lang="zh-CN" altLang="en-US">
@@ -7872,11 +7668,6 @@
         </p:txBody>
       </p:sp>
     </p:spTree>
-    <p:extLst>
-      <p:ext uri="{BB962C8B-B14F-4D97-AF65-F5344CB8AC3E}">
-        <p14:creationId xmlns:p14="http://schemas.microsoft.com/office/powerpoint/2010/main" val="1103618476"/>
-      </p:ext>
-    </p:extLst>
   </p:cSld>
   <p:clrMapOvr>
     <a:masterClrMapping/>
@@ -7890,7 +7681,7 @@
     <p:bg>
       <p:bgPr>
         <a:blipFill dpi="0" rotWithShape="0">
-          <a:blip r:embed="rId13"/>
+          <a:blip r:embed="rId12"/>
           <a:srcRect/>
           <a:stretch>
             <a:fillRect/>
@@ -7956,11 +7747,7 @@
           </a:extLst>
         </p:spPr>
         <p:txBody>
-          <a:bodyPr vert="horz" wrap="square" lIns="91440" tIns="45720" rIns="91440" bIns="45720" numCol="1" anchor="ctr" anchorCtr="0" compatLnSpc="1">
-            <a:prstTxWarp prst="textNoShape">
-              <a:avLst/>
-            </a:prstTxWarp>
-          </a:bodyPr>
+          <a:bodyPr vert="horz" wrap="square" lIns="91440" tIns="45720" rIns="91440" bIns="45720" numCol="1" anchor="ctr" anchorCtr="0" compatLnSpc="1"/>
           <a:lstStyle/>
           <a:p>
             <a:pPr lvl="0"/>
@@ -7968,6 +7755,7 @@
               <a:rPr lang="zh-CN" altLang="en-US" smtClean="0"/>
               <a:t>单击此处编辑母版标题样式</a:t>
             </a:r>
+            <a:endParaRPr lang="zh-CN" altLang="en-US" smtClean="0"/>
           </a:p>
         </p:txBody>
       </p:sp>
@@ -8014,11 +7802,7 @@
           </a:extLst>
         </p:spPr>
         <p:txBody>
-          <a:bodyPr vert="horz" wrap="square" lIns="91440" tIns="45720" rIns="91440" bIns="45720" numCol="1" anchor="t" anchorCtr="0" compatLnSpc="1">
-            <a:prstTxWarp prst="textNoShape">
-              <a:avLst/>
-            </a:prstTxWarp>
-          </a:bodyPr>
+          <a:bodyPr vert="horz" wrap="square" lIns="91440" tIns="45720" rIns="91440" bIns="45720" numCol="1" anchor="t" anchorCtr="0" compatLnSpc="1"/>
           <a:lstStyle/>
           <a:p>
             <a:pPr lvl="0"/>
@@ -8026,6 +7810,7 @@
               <a:rPr lang="zh-CN" altLang="en-US" smtClean="0"/>
               <a:t>单击此处编辑母版文本样式</a:t>
             </a:r>
+            <a:endParaRPr lang="zh-CN" altLang="en-US" smtClean="0"/>
           </a:p>
           <a:p>
             <a:pPr lvl="1"/>
@@ -8033,6 +7818,7 @@
               <a:rPr lang="zh-CN" altLang="en-US" smtClean="0"/>
               <a:t>第二级</a:t>
             </a:r>
+            <a:endParaRPr lang="zh-CN" altLang="en-US" smtClean="0"/>
           </a:p>
           <a:p>
             <a:pPr lvl="2"/>
@@ -8040,6 +7826,7 @@
               <a:rPr lang="zh-CN" altLang="en-US" smtClean="0"/>
               <a:t>第三级</a:t>
             </a:r>
+            <a:endParaRPr lang="zh-CN" altLang="en-US" smtClean="0"/>
           </a:p>
           <a:p>
             <a:pPr lvl="3"/>
@@ -8047,6 +7834,7 @@
               <a:rPr lang="zh-CN" altLang="en-US" smtClean="0"/>
               <a:t>第四级</a:t>
             </a:r>
+            <a:endParaRPr lang="zh-CN" altLang="en-US" smtClean="0"/>
           </a:p>
           <a:p>
             <a:pPr lvl="4"/>
@@ -8054,6 +7842,7 @@
               <a:rPr lang="zh-CN" altLang="en-US" smtClean="0"/>
               <a:t>第五级</a:t>
             </a:r>
+            <a:endParaRPr lang="zh-CN" altLang="en-US" smtClean="0"/>
           </a:p>
         </p:txBody>
       </p:sp>
@@ -8109,7 +7898,6 @@
                   </a:prstClr>
                 </a:solidFill>
               </a:rPr>
-              <a:t>2017/11/3 Friday</a:t>
             </a:fld>
             <a:endParaRPr lang="zh-CN" altLang="en-US">
               <a:solidFill>
@@ -8227,10 +8015,6 @@
                   </a:prstClr>
                 </a:solidFill>
               </a:rPr>
-              <a:pPr>
-                <a:defRPr/>
-              </a:pPr>
-              <a:t>‹#›</a:t>
             </a:fld>
             <a:endParaRPr lang="zh-CN" altLang="en-US">
               <a:solidFill>
@@ -8243,11 +8027,764 @@
         </p:txBody>
       </p:sp>
     </p:spTree>
-    <p:extLst>
-      <p:ext uri="{BB962C8B-B14F-4D97-AF65-F5344CB8AC3E}">
-        <p14:creationId xmlns:p14="http://schemas.microsoft.com/office/powerpoint/2010/main" val="3460347721"/>
-      </p:ext>
-    </p:extLst>
+  </p:cSld>
+  <p:clrMap bg1="lt1" tx1="dk1" bg2="lt2" tx2="dk2" accent1="accent1" accent2="accent2" accent3="accent3" accent4="accent4" accent5="accent5" accent6="accent6" hlink="hlink" folHlink="folHlink"/>
+  <p:sldLayoutIdLst>
+    <p:sldLayoutId id="2147483649" r:id="rId1"/>
+    <p:sldLayoutId id="2147483650" r:id="rId2"/>
+    <p:sldLayoutId id="2147483651" r:id="rId3"/>
+    <p:sldLayoutId id="2147483652" r:id="rId4"/>
+    <p:sldLayoutId id="2147483653" r:id="rId5"/>
+    <p:sldLayoutId id="2147483654" r:id="rId6"/>
+    <p:sldLayoutId id="2147483655" r:id="rId7"/>
+    <p:sldLayoutId id="2147483656" r:id="rId8"/>
+    <p:sldLayoutId id="2147483657" r:id="rId9"/>
+    <p:sldLayoutId id="2147483658" r:id="rId10"/>
+    <p:sldLayoutId id="2147483659" r:id="rId11"/>
+  </p:sldLayoutIdLst>
+  <p:hf hdr="0" ftr="0" dt="0"/>
+  <p:txStyles>
+    <p:titleStyle>
+      <a:lvl1pPr algn="l" rtl="0" eaLnBrk="0" fontAlgn="base" hangingPunct="0">
+        <a:spcBef>
+          <a:spcPct val="0"/>
+        </a:spcBef>
+        <a:spcAft>
+          <a:spcPct val="0"/>
+        </a:spcAft>
+        <a:defRPr sz="3200" kern="1200">
+          <a:solidFill>
+            <a:schemeClr val="bg1"/>
+          </a:solidFill>
+          <a:latin typeface="黑体" pitchFamily="2" charset="-122"/>
+          <a:ea typeface="黑体" pitchFamily="2" charset="-122"/>
+          <a:cs typeface="+mj-cs"/>
+        </a:defRPr>
+      </a:lvl1pPr>
+      <a:lvl2pPr algn="l" rtl="0" eaLnBrk="0" fontAlgn="base" hangingPunct="0">
+        <a:spcBef>
+          <a:spcPct val="0"/>
+        </a:spcBef>
+        <a:spcAft>
+          <a:spcPct val="0"/>
+        </a:spcAft>
+        <a:defRPr sz="3200">
+          <a:solidFill>
+            <a:schemeClr val="bg1"/>
+          </a:solidFill>
+          <a:latin typeface="黑体" pitchFamily="2" charset="-122"/>
+          <a:ea typeface="黑体" pitchFamily="2" charset="-122"/>
+        </a:defRPr>
+      </a:lvl2pPr>
+      <a:lvl3pPr algn="l" rtl="0" eaLnBrk="0" fontAlgn="base" hangingPunct="0">
+        <a:spcBef>
+          <a:spcPct val="0"/>
+        </a:spcBef>
+        <a:spcAft>
+          <a:spcPct val="0"/>
+        </a:spcAft>
+        <a:defRPr sz="3200">
+          <a:solidFill>
+            <a:schemeClr val="bg1"/>
+          </a:solidFill>
+          <a:latin typeface="黑体" pitchFamily="2" charset="-122"/>
+          <a:ea typeface="黑体" pitchFamily="2" charset="-122"/>
+        </a:defRPr>
+      </a:lvl3pPr>
+      <a:lvl4pPr algn="l" rtl="0" eaLnBrk="0" fontAlgn="base" hangingPunct="0">
+        <a:spcBef>
+          <a:spcPct val="0"/>
+        </a:spcBef>
+        <a:spcAft>
+          <a:spcPct val="0"/>
+        </a:spcAft>
+        <a:defRPr sz="3200">
+          <a:solidFill>
+            <a:schemeClr val="bg1"/>
+          </a:solidFill>
+          <a:latin typeface="黑体" pitchFamily="2" charset="-122"/>
+          <a:ea typeface="黑体" pitchFamily="2" charset="-122"/>
+        </a:defRPr>
+      </a:lvl4pPr>
+      <a:lvl5pPr algn="l" rtl="0" eaLnBrk="0" fontAlgn="base" hangingPunct="0">
+        <a:spcBef>
+          <a:spcPct val="0"/>
+        </a:spcBef>
+        <a:spcAft>
+          <a:spcPct val="0"/>
+        </a:spcAft>
+        <a:defRPr sz="3200">
+          <a:solidFill>
+            <a:schemeClr val="bg1"/>
+          </a:solidFill>
+          <a:latin typeface="黑体" pitchFamily="2" charset="-122"/>
+          <a:ea typeface="黑体" pitchFamily="2" charset="-122"/>
+        </a:defRPr>
+      </a:lvl5pPr>
+      <a:lvl6pPr marL="457200" algn="l" rtl="0" fontAlgn="base">
+        <a:spcBef>
+          <a:spcPct val="0"/>
+        </a:spcBef>
+        <a:spcAft>
+          <a:spcPct val="0"/>
+        </a:spcAft>
+        <a:defRPr sz="3200">
+          <a:solidFill>
+            <a:schemeClr val="bg1"/>
+          </a:solidFill>
+          <a:latin typeface="黑体" pitchFamily="2" charset="-122"/>
+          <a:ea typeface="黑体" pitchFamily="2" charset="-122"/>
+        </a:defRPr>
+      </a:lvl6pPr>
+      <a:lvl7pPr marL="914400" algn="l" rtl="0" fontAlgn="base">
+        <a:spcBef>
+          <a:spcPct val="0"/>
+        </a:spcBef>
+        <a:spcAft>
+          <a:spcPct val="0"/>
+        </a:spcAft>
+        <a:defRPr sz="3200">
+          <a:solidFill>
+            <a:schemeClr val="bg1"/>
+          </a:solidFill>
+          <a:latin typeface="黑体" pitchFamily="2" charset="-122"/>
+          <a:ea typeface="黑体" pitchFamily="2" charset="-122"/>
+        </a:defRPr>
+      </a:lvl7pPr>
+      <a:lvl8pPr marL="1371600" algn="l" rtl="0" fontAlgn="base">
+        <a:spcBef>
+          <a:spcPct val="0"/>
+        </a:spcBef>
+        <a:spcAft>
+          <a:spcPct val="0"/>
+        </a:spcAft>
+        <a:defRPr sz="3200">
+          <a:solidFill>
+            <a:schemeClr val="bg1"/>
+          </a:solidFill>
+          <a:latin typeface="黑体" pitchFamily="2" charset="-122"/>
+          <a:ea typeface="黑体" pitchFamily="2" charset="-122"/>
+        </a:defRPr>
+      </a:lvl8pPr>
+      <a:lvl9pPr marL="1828800" algn="l" rtl="0" fontAlgn="base">
+        <a:spcBef>
+          <a:spcPct val="0"/>
+        </a:spcBef>
+        <a:spcAft>
+          <a:spcPct val="0"/>
+        </a:spcAft>
+        <a:defRPr sz="3200">
+          <a:solidFill>
+            <a:schemeClr val="bg1"/>
+          </a:solidFill>
+          <a:latin typeface="黑体" pitchFamily="2" charset="-122"/>
+          <a:ea typeface="黑体" pitchFamily="2" charset="-122"/>
+        </a:defRPr>
+      </a:lvl9pPr>
+    </p:titleStyle>
+    <p:bodyStyle>
+      <a:lvl1pPr marL="342900" indent="-342900" algn="l" rtl="0" eaLnBrk="0" fontAlgn="base" hangingPunct="0">
+        <a:spcBef>
+          <a:spcPct val="20000"/>
+        </a:spcBef>
+        <a:spcAft>
+          <a:spcPct val="0"/>
+        </a:spcAft>
+        <a:buFont typeface="Arial" panose="020B0604020202090204" pitchFamily="34" charset="0"/>
+        <a:buChar char="•"/>
+        <a:defRPr sz="3200" kern="1200">
+          <a:solidFill>
+            <a:schemeClr val="tx1"/>
+          </a:solidFill>
+          <a:latin typeface="黑体" pitchFamily="2" charset="-122"/>
+          <a:ea typeface="黑体" pitchFamily="2" charset="-122"/>
+          <a:cs typeface="+mn-cs"/>
+        </a:defRPr>
+      </a:lvl1pPr>
+      <a:lvl2pPr marL="742950" indent="-285750" algn="l" rtl="0" eaLnBrk="0" fontAlgn="base" hangingPunct="0">
+        <a:spcBef>
+          <a:spcPct val="20000"/>
+        </a:spcBef>
+        <a:spcAft>
+          <a:spcPct val="0"/>
+        </a:spcAft>
+        <a:buFont typeface="Arial" panose="020B0604020202090204" pitchFamily="34" charset="0"/>
+        <a:buChar char="–"/>
+        <a:defRPr sz="2800" kern="1200">
+          <a:solidFill>
+            <a:schemeClr val="tx1"/>
+          </a:solidFill>
+          <a:latin typeface="黑体" pitchFamily="2" charset="-122"/>
+          <a:ea typeface="黑体" pitchFamily="2" charset="-122"/>
+          <a:cs typeface="+mn-cs"/>
+        </a:defRPr>
+      </a:lvl2pPr>
+      <a:lvl3pPr marL="1143000" indent="-228600" algn="l" rtl="0" eaLnBrk="0" fontAlgn="base" hangingPunct="0">
+        <a:spcBef>
+          <a:spcPct val="20000"/>
+        </a:spcBef>
+        <a:spcAft>
+          <a:spcPct val="0"/>
+        </a:spcAft>
+        <a:buFont typeface="Arial" panose="020B0604020202090204" pitchFamily="34" charset="0"/>
+        <a:buChar char="•"/>
+        <a:defRPr sz="2400" kern="1200">
+          <a:solidFill>
+            <a:schemeClr val="tx1"/>
+          </a:solidFill>
+          <a:latin typeface="黑体" pitchFamily="2" charset="-122"/>
+          <a:ea typeface="黑体" pitchFamily="2" charset="-122"/>
+          <a:cs typeface="+mn-cs"/>
+        </a:defRPr>
+      </a:lvl3pPr>
+      <a:lvl4pPr marL="1600200" indent="-228600" algn="l" rtl="0" eaLnBrk="0" fontAlgn="base" hangingPunct="0">
+        <a:spcBef>
+          <a:spcPct val="20000"/>
+        </a:spcBef>
+        <a:spcAft>
+          <a:spcPct val="0"/>
+        </a:spcAft>
+        <a:buFont typeface="Arial" panose="020B0604020202090204" pitchFamily="34" charset="0"/>
+        <a:buChar char="–"/>
+        <a:defRPr sz="2000" kern="1200">
+          <a:solidFill>
+            <a:schemeClr val="tx1"/>
+          </a:solidFill>
+          <a:latin typeface="黑体" pitchFamily="2" charset="-122"/>
+          <a:ea typeface="黑体" pitchFamily="2" charset="-122"/>
+          <a:cs typeface="+mn-cs"/>
+        </a:defRPr>
+      </a:lvl4pPr>
+      <a:lvl5pPr marL="2057400" indent="-228600" algn="l" rtl="0" eaLnBrk="0" fontAlgn="base" hangingPunct="0">
+        <a:spcBef>
+          <a:spcPct val="20000"/>
+        </a:spcBef>
+        <a:spcAft>
+          <a:spcPct val="0"/>
+        </a:spcAft>
+        <a:buFont typeface="Arial" panose="020B0604020202090204" pitchFamily="34" charset="0"/>
+        <a:buChar char="»"/>
+        <a:defRPr sz="2000" kern="1200">
+          <a:solidFill>
+            <a:schemeClr val="tx1"/>
+          </a:solidFill>
+          <a:latin typeface="黑体" pitchFamily="2" charset="-122"/>
+          <a:ea typeface="黑体" pitchFamily="2" charset="-122"/>
+          <a:cs typeface="+mn-cs"/>
+        </a:defRPr>
+      </a:lvl5pPr>
+      <a:lvl6pPr marL="2514600" indent="-228600" algn="l" defTabSz="914400" rtl="0" eaLnBrk="1" latinLnBrk="0" hangingPunct="1">
+        <a:spcBef>
+          <a:spcPct val="20000"/>
+        </a:spcBef>
+        <a:buFont typeface="Arial" panose="020B0604020202090204" pitchFamily="34" charset="0"/>
+        <a:buChar char="•"/>
+        <a:defRPr sz="2000" kern="1200">
+          <a:solidFill>
+            <a:schemeClr val="tx1"/>
+          </a:solidFill>
+          <a:latin typeface="+mn-lt"/>
+          <a:ea typeface="+mn-ea"/>
+          <a:cs typeface="+mn-cs"/>
+        </a:defRPr>
+      </a:lvl6pPr>
+      <a:lvl7pPr marL="2971800" indent="-228600" algn="l" defTabSz="914400" rtl="0" eaLnBrk="1" latinLnBrk="0" hangingPunct="1">
+        <a:spcBef>
+          <a:spcPct val="20000"/>
+        </a:spcBef>
+        <a:buFont typeface="Arial" panose="020B0604020202090204" pitchFamily="34" charset="0"/>
+        <a:buChar char="•"/>
+        <a:defRPr sz="2000" kern="1200">
+          <a:solidFill>
+            <a:schemeClr val="tx1"/>
+          </a:solidFill>
+          <a:latin typeface="+mn-lt"/>
+          <a:ea typeface="+mn-ea"/>
+          <a:cs typeface="+mn-cs"/>
+        </a:defRPr>
+      </a:lvl7pPr>
+      <a:lvl8pPr marL="3429000" indent="-228600" algn="l" defTabSz="914400" rtl="0" eaLnBrk="1" latinLnBrk="0" hangingPunct="1">
+        <a:spcBef>
+          <a:spcPct val="20000"/>
+        </a:spcBef>
+        <a:buFont typeface="Arial" panose="020B0604020202090204" pitchFamily="34" charset="0"/>
+        <a:buChar char="•"/>
+        <a:defRPr sz="2000" kern="1200">
+          <a:solidFill>
+            <a:schemeClr val="tx1"/>
+          </a:solidFill>
+          <a:latin typeface="+mn-lt"/>
+          <a:ea typeface="+mn-ea"/>
+          <a:cs typeface="+mn-cs"/>
+        </a:defRPr>
+      </a:lvl8pPr>
+      <a:lvl9pPr marL="3886200" indent="-228600" algn="l" defTabSz="914400" rtl="0" eaLnBrk="1" latinLnBrk="0" hangingPunct="1">
+        <a:spcBef>
+          <a:spcPct val="20000"/>
+        </a:spcBef>
+        <a:buFont typeface="Arial" panose="020B0604020202090204" pitchFamily="34" charset="0"/>
+        <a:buChar char="•"/>
+        <a:defRPr sz="2000" kern="1200">
+          <a:solidFill>
+            <a:schemeClr val="tx1"/>
+          </a:solidFill>
+          <a:latin typeface="+mn-lt"/>
+          <a:ea typeface="+mn-ea"/>
+          <a:cs typeface="+mn-cs"/>
+        </a:defRPr>
+      </a:lvl9pPr>
+    </p:bodyStyle>
+    <p:otherStyle>
+      <a:defPPr>
+        <a:defRPr lang="zh-CN"/>
+      </a:defPPr>
+      <a:lvl1pPr marL="0" algn="l" defTabSz="914400" rtl="0" eaLnBrk="1" latinLnBrk="0" hangingPunct="1">
+        <a:defRPr sz="1800" kern="1200">
+          <a:solidFill>
+            <a:schemeClr val="tx1"/>
+          </a:solidFill>
+          <a:latin typeface="+mn-lt"/>
+          <a:ea typeface="+mn-ea"/>
+          <a:cs typeface="+mn-cs"/>
+        </a:defRPr>
+      </a:lvl1pPr>
+      <a:lvl2pPr marL="457200" algn="l" defTabSz="914400" rtl="0" eaLnBrk="1" latinLnBrk="0" hangingPunct="1">
+        <a:defRPr sz="1800" kern="1200">
+          <a:solidFill>
+            <a:schemeClr val="tx1"/>
+          </a:solidFill>
+          <a:latin typeface="+mn-lt"/>
+          <a:ea typeface="+mn-ea"/>
+          <a:cs typeface="+mn-cs"/>
+        </a:defRPr>
+      </a:lvl2pPr>
+      <a:lvl3pPr marL="914400" algn="l" defTabSz="914400" rtl="0" eaLnBrk="1" latinLnBrk="0" hangingPunct="1">
+        <a:defRPr sz="1800" kern="1200">
+          <a:solidFill>
+            <a:schemeClr val="tx1"/>
+          </a:solidFill>
+          <a:latin typeface="+mn-lt"/>
+          <a:ea typeface="+mn-ea"/>
+          <a:cs typeface="+mn-cs"/>
+        </a:defRPr>
+      </a:lvl3pPr>
+      <a:lvl4pPr marL="1371600" algn="l" defTabSz="914400" rtl="0" eaLnBrk="1" latinLnBrk="0" hangingPunct="1">
+        <a:defRPr sz="1800" kern="1200">
+          <a:solidFill>
+            <a:schemeClr val="tx1"/>
+          </a:solidFill>
+          <a:latin typeface="+mn-lt"/>
+          <a:ea typeface="+mn-ea"/>
+          <a:cs typeface="+mn-cs"/>
+        </a:defRPr>
+      </a:lvl4pPr>
+      <a:lvl5pPr marL="1828800" algn="l" defTabSz="914400" rtl="0" eaLnBrk="1" latinLnBrk="0" hangingPunct="1">
+        <a:defRPr sz="1800" kern="1200">
+          <a:solidFill>
+            <a:schemeClr val="tx1"/>
+          </a:solidFill>
+          <a:latin typeface="+mn-lt"/>
+          <a:ea typeface="+mn-ea"/>
+          <a:cs typeface="+mn-cs"/>
+        </a:defRPr>
+      </a:lvl5pPr>
+      <a:lvl6pPr marL="2286000" algn="l" defTabSz="914400" rtl="0" eaLnBrk="1" latinLnBrk="0" hangingPunct="1">
+        <a:defRPr sz="1800" kern="1200">
+          <a:solidFill>
+            <a:schemeClr val="tx1"/>
+          </a:solidFill>
+          <a:latin typeface="+mn-lt"/>
+          <a:ea typeface="+mn-ea"/>
+          <a:cs typeface="+mn-cs"/>
+        </a:defRPr>
+      </a:lvl6pPr>
+      <a:lvl7pPr marL="2743200" algn="l" defTabSz="914400" rtl="0" eaLnBrk="1" latinLnBrk="0" hangingPunct="1">
+        <a:defRPr sz="1800" kern="1200">
+          <a:solidFill>
+            <a:schemeClr val="tx1"/>
+          </a:solidFill>
+          <a:latin typeface="+mn-lt"/>
+          <a:ea typeface="+mn-ea"/>
+          <a:cs typeface="+mn-cs"/>
+        </a:defRPr>
+      </a:lvl7pPr>
+      <a:lvl8pPr marL="3200400" algn="l" defTabSz="914400" rtl="0" eaLnBrk="1" latinLnBrk="0" hangingPunct="1">
+        <a:defRPr sz="1800" kern="1200">
+          <a:solidFill>
+            <a:schemeClr val="tx1"/>
+          </a:solidFill>
+          <a:latin typeface="+mn-lt"/>
+          <a:ea typeface="+mn-ea"/>
+          <a:cs typeface="+mn-cs"/>
+        </a:defRPr>
+      </a:lvl8pPr>
+      <a:lvl9pPr marL="3657600" algn="l" defTabSz="914400" rtl="0" eaLnBrk="1" latinLnBrk="0" hangingPunct="1">
+        <a:defRPr sz="1800" kern="1200">
+          <a:solidFill>
+            <a:schemeClr val="tx1"/>
+          </a:solidFill>
+          <a:latin typeface="+mn-lt"/>
+          <a:ea typeface="+mn-ea"/>
+          <a:cs typeface="+mn-cs"/>
+        </a:defRPr>
+      </a:lvl9pPr>
+    </p:otherStyle>
+  </p:txStyles>
+</p:sldMaster>
+</file>
+
+<file path=ppt/slideMasters/slideMaster2.xml><?xml version="1.0" encoding="utf-8"?>
+<p:sldMaster xmlns:a="http://schemas.openxmlformats.org/drawingml/2006/main" xmlns:r="http://schemas.openxmlformats.org/officeDocument/2006/relationships" xmlns:p="http://schemas.openxmlformats.org/presentationml/2006/main">
+  <p:cSld>
+    <p:bg>
+      <p:bgPr>
+        <a:blipFill dpi="0" rotWithShape="0">
+          <a:blip r:embed="rId12"/>
+          <a:srcRect/>
+          <a:stretch>
+            <a:fillRect/>
+          </a:stretch>
+        </a:blipFill>
+        <a:effectLst/>
+      </p:bgPr>
+    </p:bg>
+    <p:spTree>
+      <p:nvGrpSpPr>
+        <p:cNvPr id="1" name=""/>
+        <p:cNvGrpSpPr/>
+        <p:nvPr/>
+      </p:nvGrpSpPr>
+      <p:grpSpPr>
+        <a:xfrm>
+          <a:off x="0" y="0"/>
+          <a:ext cx="0" cy="0"/>
+          <a:chOff x="0" y="0"/>
+          <a:chExt cx="0" cy="0"/>
+        </a:xfrm>
+      </p:grpSpPr>
+      <p:sp>
+        <p:nvSpPr>
+          <p:cNvPr id="1026" name="标题占位符 1"/>
+          <p:cNvSpPr>
+            <a:spLocks noGrp="1"/>
+          </p:cNvSpPr>
+          <p:nvPr>
+            <p:ph type="title"/>
+          </p:nvPr>
+        </p:nvSpPr>
+        <p:spPr bwMode="auto">
+          <a:xfrm>
+            <a:off x="142875" y="357188"/>
+            <a:ext cx="8229600" cy="654050"/>
+          </a:xfrm>
+          <a:prstGeom prst="rect">
+            <a:avLst/>
+          </a:prstGeom>
+          <a:noFill/>
+          <a:ln>
+            <a:noFill/>
+          </a:ln>
+          <a:extLst>
+            <a:ext uri="{909E8E84-426E-40DD-AFC4-6F175D3DCCD1}">
+              <a14:hiddenFill xmlns:a14="http://schemas.microsoft.com/office/drawing/2010/main">
+                <a:solidFill>
+                  <a:srgbClr val="FFFFFF"/>
+                </a:solidFill>
+              </a14:hiddenFill>
+            </a:ext>
+            <a:ext uri="{91240B29-F687-4F45-9708-019B960494DF}">
+              <a14:hiddenLine xmlns:a14="http://schemas.microsoft.com/office/drawing/2010/main" w="9525">
+                <a:solidFill>
+                  <a:srgbClr val="000000"/>
+                </a:solidFill>
+                <a:miter lim="800000"/>
+                <a:headEnd/>
+                <a:tailEnd/>
+              </a14:hiddenLine>
+            </a:ext>
+          </a:extLst>
+        </p:spPr>
+        <p:txBody>
+          <a:bodyPr vert="horz" wrap="square" lIns="91440" tIns="45720" rIns="91440" bIns="45720" numCol="1" anchor="ctr" anchorCtr="0" compatLnSpc="1"/>
+          <a:lstStyle/>
+          <a:p>
+            <a:pPr lvl="0"/>
+            <a:r>
+              <a:rPr lang="zh-CN" altLang="en-US" smtClean="0"/>
+              <a:t>单击此处编辑母版标题样式</a:t>
+            </a:r>
+            <a:endParaRPr lang="zh-CN" altLang="en-US" smtClean="0"/>
+          </a:p>
+        </p:txBody>
+      </p:sp>
+      <p:sp>
+        <p:nvSpPr>
+          <p:cNvPr id="1027" name="文本占位符 2"/>
+          <p:cNvSpPr>
+            <a:spLocks noGrp="1"/>
+          </p:cNvSpPr>
+          <p:nvPr>
+            <p:ph type="body" idx="1"/>
+          </p:nvPr>
+        </p:nvSpPr>
+        <p:spPr bwMode="auto">
+          <a:xfrm>
+            <a:off x="457200" y="1600200"/>
+            <a:ext cx="8229600" cy="4525963"/>
+          </a:xfrm>
+          <a:prstGeom prst="rect">
+            <a:avLst/>
+          </a:prstGeom>
+          <a:noFill/>
+          <a:ln>
+            <a:noFill/>
+          </a:ln>
+          <a:extLst>
+            <a:ext uri="{909E8E84-426E-40DD-AFC4-6F175D3DCCD1}">
+              <a14:hiddenFill xmlns:a14="http://schemas.microsoft.com/office/drawing/2010/main">
+                <a:solidFill>
+                  <a:srgbClr val="FFFFFF"/>
+                </a:solidFill>
+              </a14:hiddenFill>
+            </a:ext>
+            <a:ext uri="{91240B29-F687-4F45-9708-019B960494DF}">
+              <a14:hiddenLine xmlns:a14="http://schemas.microsoft.com/office/drawing/2010/main" w="9525">
+                <a:solidFill>
+                  <a:srgbClr val="000000"/>
+                </a:solidFill>
+                <a:miter lim="800000"/>
+                <a:headEnd/>
+                <a:tailEnd/>
+              </a14:hiddenLine>
+            </a:ext>
+          </a:extLst>
+        </p:spPr>
+        <p:txBody>
+          <a:bodyPr vert="horz" wrap="square" lIns="91440" tIns="45720" rIns="91440" bIns="45720" numCol="1" anchor="t" anchorCtr="0" compatLnSpc="1"/>
+          <a:lstStyle/>
+          <a:p>
+            <a:pPr lvl="0"/>
+            <a:r>
+              <a:rPr lang="zh-CN" altLang="en-US" smtClean="0"/>
+              <a:t>单击此处编辑母版文本样式</a:t>
+            </a:r>
+            <a:endParaRPr lang="zh-CN" altLang="en-US" smtClean="0"/>
+          </a:p>
+          <a:p>
+            <a:pPr lvl="1"/>
+            <a:r>
+              <a:rPr lang="zh-CN" altLang="en-US" smtClean="0"/>
+              <a:t>第二级</a:t>
+            </a:r>
+            <a:endParaRPr lang="zh-CN" altLang="en-US" smtClean="0"/>
+          </a:p>
+          <a:p>
+            <a:pPr lvl="2"/>
+            <a:r>
+              <a:rPr lang="zh-CN" altLang="en-US" smtClean="0"/>
+              <a:t>第三级</a:t>
+            </a:r>
+            <a:endParaRPr lang="zh-CN" altLang="en-US" smtClean="0"/>
+          </a:p>
+          <a:p>
+            <a:pPr lvl="3"/>
+            <a:r>
+              <a:rPr lang="zh-CN" altLang="en-US" smtClean="0"/>
+              <a:t>第四级</a:t>
+            </a:r>
+            <a:endParaRPr lang="zh-CN" altLang="en-US" smtClean="0"/>
+          </a:p>
+          <a:p>
+            <a:pPr lvl="4"/>
+            <a:r>
+              <a:rPr lang="zh-CN" altLang="en-US" smtClean="0"/>
+              <a:t>第五级</a:t>
+            </a:r>
+            <a:endParaRPr lang="zh-CN" altLang="en-US" smtClean="0"/>
+          </a:p>
+        </p:txBody>
+      </p:sp>
+      <p:sp>
+        <p:nvSpPr>
+          <p:cNvPr id="4" name="日期占位符 3"/>
+          <p:cNvSpPr>
+            <a:spLocks noGrp="1"/>
+          </p:cNvSpPr>
+          <p:nvPr>
+            <p:ph type="dt" sz="half" idx="2"/>
+          </p:nvPr>
+        </p:nvSpPr>
+        <p:spPr>
+          <a:xfrm>
+            <a:off x="457200" y="6356350"/>
+            <a:ext cx="2133600" cy="365125"/>
+          </a:xfrm>
+          <a:prstGeom prst="rect">
+            <a:avLst/>
+          </a:prstGeom>
+        </p:spPr>
+        <p:txBody>
+          <a:bodyPr vert="horz" lIns="91440" tIns="45720" rIns="91440" bIns="45720" rtlCol="0" anchor="ctr"/>
+          <a:lstStyle>
+            <a:lvl1pPr algn="l" fontAlgn="auto">
+              <a:spcBef>
+                <a:spcPts val="0"/>
+              </a:spcBef>
+              <a:spcAft>
+                <a:spcPts val="0"/>
+              </a:spcAft>
+              <a:defRPr sz="1200">
+                <a:solidFill>
+                  <a:schemeClr val="tx1">
+                    <a:tint val="75000"/>
+                  </a:schemeClr>
+                </a:solidFill>
+                <a:latin typeface="+mn-lt"/>
+                <a:ea typeface="+mn-ea"/>
+              </a:defRPr>
+            </a:lvl1pPr>
+          </a:lstStyle>
+          <a:p>
+            <a:pPr>
+              <a:defRPr/>
+            </a:pPr>
+            <a:fld id="{CA944234-1106-4754-8691-5FC22A1DC318}" type="datetime1">
+              <a:rPr lang="zh-CN" altLang="en-US" smtClean="0">
+                <a:solidFill>
+                  <a:prstClr val="black">
+                    <a:tint val="75000"/>
+                  </a:prstClr>
+                </a:solidFill>
+              </a:rPr>
+            </a:fld>
+            <a:endParaRPr lang="zh-CN" altLang="en-US">
+              <a:solidFill>
+                <a:prstClr val="black">
+                  <a:tint val="75000"/>
+                </a:prstClr>
+              </a:solidFill>
+            </a:endParaRPr>
+          </a:p>
+        </p:txBody>
+      </p:sp>
+      <p:sp>
+        <p:nvSpPr>
+          <p:cNvPr id="5" name="页脚占位符 4"/>
+          <p:cNvSpPr>
+            <a:spLocks noGrp="1"/>
+          </p:cNvSpPr>
+          <p:nvPr>
+            <p:ph type="ftr" sz="quarter" idx="3"/>
+          </p:nvPr>
+        </p:nvSpPr>
+        <p:spPr>
+          <a:xfrm>
+            <a:off x="3124200" y="6356350"/>
+            <a:ext cx="2895600" cy="365125"/>
+          </a:xfrm>
+          <a:prstGeom prst="rect">
+            <a:avLst/>
+          </a:prstGeom>
+        </p:spPr>
+        <p:txBody>
+          <a:bodyPr vert="horz" lIns="91440" tIns="45720" rIns="91440" bIns="45720" rtlCol="0" anchor="ctr"/>
+          <a:lstStyle>
+            <a:lvl1pPr algn="ctr" fontAlgn="auto">
+              <a:spcBef>
+                <a:spcPts val="0"/>
+              </a:spcBef>
+              <a:spcAft>
+                <a:spcPts val="0"/>
+              </a:spcAft>
+              <a:defRPr sz="1200">
+                <a:solidFill>
+                  <a:schemeClr val="tx1">
+                    <a:tint val="75000"/>
+                  </a:schemeClr>
+                </a:solidFill>
+                <a:latin typeface="+mn-lt"/>
+                <a:ea typeface="+mn-ea"/>
+              </a:defRPr>
+            </a:lvl1pPr>
+          </a:lstStyle>
+          <a:p>
+            <a:pPr>
+              <a:defRPr/>
+            </a:pPr>
+            <a:endParaRPr lang="zh-CN" altLang="en-US">
+              <a:solidFill>
+                <a:prstClr val="black">
+                  <a:tint val="75000"/>
+                </a:prstClr>
+              </a:solidFill>
+            </a:endParaRPr>
+          </a:p>
+        </p:txBody>
+      </p:sp>
+      <p:sp>
+        <p:nvSpPr>
+          <p:cNvPr id="6" name="灯片编号占位符 5"/>
+          <p:cNvSpPr>
+            <a:spLocks noGrp="1"/>
+          </p:cNvSpPr>
+          <p:nvPr>
+            <p:ph type="sldNum" sz="quarter" idx="4"/>
+          </p:nvPr>
+        </p:nvSpPr>
+        <p:spPr>
+          <a:xfrm>
+            <a:off x="6553200" y="6356350"/>
+            <a:ext cx="2133600" cy="365125"/>
+          </a:xfrm>
+          <a:prstGeom prst="rect">
+            <a:avLst/>
+          </a:prstGeom>
+        </p:spPr>
+        <p:txBody>
+          <a:bodyPr vert="horz" lIns="91440" tIns="45720" rIns="91440" bIns="45720" rtlCol="0" anchor="ctr"/>
+          <a:lstStyle>
+            <a:lvl1pPr algn="r" fontAlgn="auto">
+              <a:spcBef>
+                <a:spcPts val="0"/>
+              </a:spcBef>
+              <a:spcAft>
+                <a:spcPts val="0"/>
+              </a:spcAft>
+              <a:defRPr sz="1200">
+                <a:solidFill>
+                  <a:schemeClr val="tx1">
+                    <a:tint val="75000"/>
+                  </a:schemeClr>
+                </a:solidFill>
+                <a:latin typeface="+mn-lt"/>
+                <a:ea typeface="+mn-ea"/>
+              </a:defRPr>
+            </a:lvl1pPr>
+          </a:lstStyle>
+          <a:p>
+            <a:pPr>
+              <a:defRPr/>
+            </a:pPr>
+            <a:fld id="{A464C3B7-DDBD-403E-A304-4BD94D6CB492}" type="slidenum">
+              <a:rPr lang="zh-CN" altLang="en-US">
+                <a:solidFill>
+                  <a:prstClr val="black">
+                    <a:tint val="75000"/>
+                  </a:prstClr>
+                </a:solidFill>
+              </a:rPr>
+            </a:fld>
+            <a:endParaRPr lang="zh-CN" altLang="en-US">
+              <a:solidFill>
+                <a:prstClr val="black">
+                  <a:tint val="75000"/>
+                </a:prstClr>
+              </a:solidFill>
+            </a:endParaRPr>
+          </a:p>
+        </p:txBody>
+      </p:sp>
+    </p:spTree>
   </p:cSld>
   <p:clrMap bg1="lt1" tx1="dk1" bg2="lt2" tx2="dk2" accent1="accent1" accent2="accent2" accent3="accent3" accent4="accent4" accent5="accent5" accent6="accent6" hlink="hlink" folHlink="folHlink"/>
   <p:sldLayoutIdLst>
@@ -8411,7 +8948,7 @@
         <a:spcAft>
           <a:spcPct val="0"/>
         </a:spcAft>
-        <a:buFont typeface="Arial" charset="0"/>
+        <a:buFont typeface="Arial" panose="020B0604020202090204" pitchFamily="34" charset="0"/>
         <a:buChar char="•"/>
         <a:defRPr sz="3200" kern="1200">
           <a:solidFill>
@@ -8429,7 +8966,7 @@
         <a:spcAft>
           <a:spcPct val="0"/>
         </a:spcAft>
-        <a:buFont typeface="Arial" charset="0"/>
+        <a:buFont typeface="Arial" panose="020B0604020202090204" pitchFamily="34" charset="0"/>
         <a:buChar char="–"/>
         <a:defRPr sz="2800" kern="1200">
           <a:solidFill>
@@ -8447,7 +8984,7 @@
         <a:spcAft>
           <a:spcPct val="0"/>
         </a:spcAft>
-        <a:buFont typeface="Arial" charset="0"/>
+        <a:buFont typeface="Arial" panose="020B0604020202090204" pitchFamily="34" charset="0"/>
         <a:buChar char="•"/>
         <a:defRPr sz="2400" kern="1200">
           <a:solidFill>
@@ -8465,7 +9002,7 @@
         <a:spcAft>
           <a:spcPct val="0"/>
         </a:spcAft>
-        <a:buFont typeface="Arial" charset="0"/>
+        <a:buFont typeface="Arial" panose="020B0604020202090204" pitchFamily="34" charset="0"/>
         <a:buChar char="–"/>
         <a:defRPr sz="2000" kern="1200">
           <a:solidFill>
@@ -8483,7 +9020,7 @@
         <a:spcAft>
           <a:spcPct val="0"/>
         </a:spcAft>
-        <a:buFont typeface="Arial" charset="0"/>
+        <a:buFont typeface="Arial" panose="020B0604020202090204" pitchFamily="34" charset="0"/>
         <a:buChar char="»"/>
         <a:defRPr sz="2000" kern="1200">
           <a:solidFill>
@@ -8498,7 +9035,7 @@
         <a:spcBef>
           <a:spcPct val="20000"/>
         </a:spcBef>
-        <a:buFont typeface="Arial" pitchFamily="34" charset="0"/>
+        <a:buFont typeface="Arial" panose="020B0604020202090204" pitchFamily="34" charset="0"/>
         <a:buChar char="•"/>
         <a:defRPr sz="2000" kern="1200">
           <a:solidFill>
@@ -8513,7 +9050,7 @@
         <a:spcBef>
           <a:spcPct val="20000"/>
         </a:spcBef>
-        <a:buFont typeface="Arial" pitchFamily="34" charset="0"/>
+        <a:buFont typeface="Arial" panose="020B0604020202090204" pitchFamily="34" charset="0"/>
         <a:buChar char="•"/>
         <a:defRPr sz="2000" kern="1200">
           <a:solidFill>
@@ -8528,7 +9065,7 @@
         <a:spcBef>
           <a:spcPct val="20000"/>
         </a:spcBef>
-        <a:buFont typeface="Arial" pitchFamily="34" charset="0"/>
+        <a:buFont typeface="Arial" panose="020B0604020202090204" pitchFamily="34" charset="0"/>
         <a:buChar char="•"/>
         <a:defRPr sz="2000" kern="1200">
           <a:solidFill>
@@ -8543,777 +9080,7 @@
         <a:spcBef>
           <a:spcPct val="20000"/>
         </a:spcBef>
-        <a:buFont typeface="Arial" pitchFamily="34" charset="0"/>
-        <a:buChar char="•"/>
-        <a:defRPr sz="2000" kern="1200">
-          <a:solidFill>
-            <a:schemeClr val="tx1"/>
-          </a:solidFill>
-          <a:latin typeface="+mn-lt"/>
-          <a:ea typeface="+mn-ea"/>
-          <a:cs typeface="+mn-cs"/>
-        </a:defRPr>
-      </a:lvl9pPr>
-    </p:bodyStyle>
-    <p:otherStyle>
-      <a:defPPr>
-        <a:defRPr lang="zh-CN"/>
-      </a:defPPr>
-      <a:lvl1pPr marL="0" algn="l" defTabSz="914400" rtl="0" eaLnBrk="1" latinLnBrk="0" hangingPunct="1">
-        <a:defRPr sz="1800" kern="1200">
-          <a:solidFill>
-            <a:schemeClr val="tx1"/>
-          </a:solidFill>
-          <a:latin typeface="+mn-lt"/>
-          <a:ea typeface="+mn-ea"/>
-          <a:cs typeface="+mn-cs"/>
-        </a:defRPr>
-      </a:lvl1pPr>
-      <a:lvl2pPr marL="457200" algn="l" defTabSz="914400" rtl="0" eaLnBrk="1" latinLnBrk="0" hangingPunct="1">
-        <a:defRPr sz="1800" kern="1200">
-          <a:solidFill>
-            <a:schemeClr val="tx1"/>
-          </a:solidFill>
-          <a:latin typeface="+mn-lt"/>
-          <a:ea typeface="+mn-ea"/>
-          <a:cs typeface="+mn-cs"/>
-        </a:defRPr>
-      </a:lvl2pPr>
-      <a:lvl3pPr marL="914400" algn="l" defTabSz="914400" rtl="0" eaLnBrk="1" latinLnBrk="0" hangingPunct="1">
-        <a:defRPr sz="1800" kern="1200">
-          <a:solidFill>
-            <a:schemeClr val="tx1"/>
-          </a:solidFill>
-          <a:latin typeface="+mn-lt"/>
-          <a:ea typeface="+mn-ea"/>
-          <a:cs typeface="+mn-cs"/>
-        </a:defRPr>
-      </a:lvl3pPr>
-      <a:lvl4pPr marL="1371600" algn="l" defTabSz="914400" rtl="0" eaLnBrk="1" latinLnBrk="0" hangingPunct="1">
-        <a:defRPr sz="1800" kern="1200">
-          <a:solidFill>
-            <a:schemeClr val="tx1"/>
-          </a:solidFill>
-          <a:latin typeface="+mn-lt"/>
-          <a:ea typeface="+mn-ea"/>
-          <a:cs typeface="+mn-cs"/>
-        </a:defRPr>
-      </a:lvl4pPr>
-      <a:lvl5pPr marL="1828800" algn="l" defTabSz="914400" rtl="0" eaLnBrk="1" latinLnBrk="0" hangingPunct="1">
-        <a:defRPr sz="1800" kern="1200">
-          <a:solidFill>
-            <a:schemeClr val="tx1"/>
-          </a:solidFill>
-          <a:latin typeface="+mn-lt"/>
-          <a:ea typeface="+mn-ea"/>
-          <a:cs typeface="+mn-cs"/>
-        </a:defRPr>
-      </a:lvl5pPr>
-      <a:lvl6pPr marL="2286000" algn="l" defTabSz="914400" rtl="0" eaLnBrk="1" latinLnBrk="0" hangingPunct="1">
-        <a:defRPr sz="1800" kern="1200">
-          <a:solidFill>
-            <a:schemeClr val="tx1"/>
-          </a:solidFill>
-          <a:latin typeface="+mn-lt"/>
-          <a:ea typeface="+mn-ea"/>
-          <a:cs typeface="+mn-cs"/>
-        </a:defRPr>
-      </a:lvl6pPr>
-      <a:lvl7pPr marL="2743200" algn="l" defTabSz="914400" rtl="0" eaLnBrk="1" latinLnBrk="0" hangingPunct="1">
-        <a:defRPr sz="1800" kern="1200">
-          <a:solidFill>
-            <a:schemeClr val="tx1"/>
-          </a:solidFill>
-          <a:latin typeface="+mn-lt"/>
-          <a:ea typeface="+mn-ea"/>
-          <a:cs typeface="+mn-cs"/>
-        </a:defRPr>
-      </a:lvl7pPr>
-      <a:lvl8pPr marL="3200400" algn="l" defTabSz="914400" rtl="0" eaLnBrk="1" latinLnBrk="0" hangingPunct="1">
-        <a:defRPr sz="1800" kern="1200">
-          <a:solidFill>
-            <a:schemeClr val="tx1"/>
-          </a:solidFill>
-          <a:latin typeface="+mn-lt"/>
-          <a:ea typeface="+mn-ea"/>
-          <a:cs typeface="+mn-cs"/>
-        </a:defRPr>
-      </a:lvl8pPr>
-      <a:lvl9pPr marL="3657600" algn="l" defTabSz="914400" rtl="0" eaLnBrk="1" latinLnBrk="0" hangingPunct="1">
-        <a:defRPr sz="1800" kern="1200">
-          <a:solidFill>
-            <a:schemeClr val="tx1"/>
-          </a:solidFill>
-          <a:latin typeface="+mn-lt"/>
-          <a:ea typeface="+mn-ea"/>
-          <a:cs typeface="+mn-cs"/>
-        </a:defRPr>
-      </a:lvl9pPr>
-    </p:otherStyle>
-  </p:txStyles>
-</p:sldMaster>
-</file>
-
-<file path=ppt/slideMasters/slideMaster2.xml><?xml version="1.0" encoding="utf-8"?>
-<p:sldMaster xmlns:a="http://schemas.openxmlformats.org/drawingml/2006/main" xmlns:r="http://schemas.openxmlformats.org/officeDocument/2006/relationships" xmlns:p="http://schemas.openxmlformats.org/presentationml/2006/main">
-  <p:cSld>
-    <p:bg>
-      <p:bgPr>
-        <a:blipFill dpi="0" rotWithShape="0">
-          <a:blip r:embed="rId13"/>
-          <a:srcRect/>
-          <a:stretch>
-            <a:fillRect/>
-          </a:stretch>
-        </a:blipFill>
-        <a:effectLst/>
-      </p:bgPr>
-    </p:bg>
-    <p:spTree>
-      <p:nvGrpSpPr>
-        <p:cNvPr id="1" name=""/>
-        <p:cNvGrpSpPr/>
-        <p:nvPr/>
-      </p:nvGrpSpPr>
-      <p:grpSpPr>
-        <a:xfrm>
-          <a:off x="0" y="0"/>
-          <a:ext cx="0" cy="0"/>
-          <a:chOff x="0" y="0"/>
-          <a:chExt cx="0" cy="0"/>
-        </a:xfrm>
-      </p:grpSpPr>
-      <p:sp>
-        <p:nvSpPr>
-          <p:cNvPr id="1026" name="标题占位符 1"/>
-          <p:cNvSpPr>
-            <a:spLocks noGrp="1"/>
-          </p:cNvSpPr>
-          <p:nvPr>
-            <p:ph type="title"/>
-          </p:nvPr>
-        </p:nvSpPr>
-        <p:spPr bwMode="auto">
-          <a:xfrm>
-            <a:off x="142875" y="357188"/>
-            <a:ext cx="8229600" cy="654050"/>
-          </a:xfrm>
-          <a:prstGeom prst="rect">
-            <a:avLst/>
-          </a:prstGeom>
-          <a:noFill/>
-          <a:ln>
-            <a:noFill/>
-          </a:ln>
-          <a:extLst>
-            <a:ext uri="{909E8E84-426E-40DD-AFC4-6F175D3DCCD1}">
-              <a14:hiddenFill xmlns:a14="http://schemas.microsoft.com/office/drawing/2010/main">
-                <a:solidFill>
-                  <a:srgbClr val="FFFFFF"/>
-                </a:solidFill>
-              </a14:hiddenFill>
-            </a:ext>
-            <a:ext uri="{91240B29-F687-4F45-9708-019B960494DF}">
-              <a14:hiddenLine xmlns:a14="http://schemas.microsoft.com/office/drawing/2010/main" w="9525">
-                <a:solidFill>
-                  <a:srgbClr val="000000"/>
-                </a:solidFill>
-                <a:miter lim="800000"/>
-                <a:headEnd/>
-                <a:tailEnd/>
-              </a14:hiddenLine>
-            </a:ext>
-          </a:extLst>
-        </p:spPr>
-        <p:txBody>
-          <a:bodyPr vert="horz" wrap="square" lIns="91440" tIns="45720" rIns="91440" bIns="45720" numCol="1" anchor="ctr" anchorCtr="0" compatLnSpc="1">
-            <a:prstTxWarp prst="textNoShape">
-              <a:avLst/>
-            </a:prstTxWarp>
-          </a:bodyPr>
-          <a:lstStyle/>
-          <a:p>
-            <a:pPr lvl="0"/>
-            <a:r>
-              <a:rPr lang="zh-CN" altLang="en-US" smtClean="0"/>
-              <a:t>单击此处编辑母版标题样式</a:t>
-            </a:r>
-          </a:p>
-        </p:txBody>
-      </p:sp>
-      <p:sp>
-        <p:nvSpPr>
-          <p:cNvPr id="1027" name="文本占位符 2"/>
-          <p:cNvSpPr>
-            <a:spLocks noGrp="1"/>
-          </p:cNvSpPr>
-          <p:nvPr>
-            <p:ph type="body" idx="1"/>
-          </p:nvPr>
-        </p:nvSpPr>
-        <p:spPr bwMode="auto">
-          <a:xfrm>
-            <a:off x="457200" y="1600200"/>
-            <a:ext cx="8229600" cy="4525963"/>
-          </a:xfrm>
-          <a:prstGeom prst="rect">
-            <a:avLst/>
-          </a:prstGeom>
-          <a:noFill/>
-          <a:ln>
-            <a:noFill/>
-          </a:ln>
-          <a:extLst>
-            <a:ext uri="{909E8E84-426E-40DD-AFC4-6F175D3DCCD1}">
-              <a14:hiddenFill xmlns:a14="http://schemas.microsoft.com/office/drawing/2010/main">
-                <a:solidFill>
-                  <a:srgbClr val="FFFFFF"/>
-                </a:solidFill>
-              </a14:hiddenFill>
-            </a:ext>
-            <a:ext uri="{91240B29-F687-4F45-9708-019B960494DF}">
-              <a14:hiddenLine xmlns:a14="http://schemas.microsoft.com/office/drawing/2010/main" w="9525">
-                <a:solidFill>
-                  <a:srgbClr val="000000"/>
-                </a:solidFill>
-                <a:miter lim="800000"/>
-                <a:headEnd/>
-                <a:tailEnd/>
-              </a14:hiddenLine>
-            </a:ext>
-          </a:extLst>
-        </p:spPr>
-        <p:txBody>
-          <a:bodyPr vert="horz" wrap="square" lIns="91440" tIns="45720" rIns="91440" bIns="45720" numCol="1" anchor="t" anchorCtr="0" compatLnSpc="1">
-            <a:prstTxWarp prst="textNoShape">
-              <a:avLst/>
-            </a:prstTxWarp>
-          </a:bodyPr>
-          <a:lstStyle/>
-          <a:p>
-            <a:pPr lvl="0"/>
-            <a:r>
-              <a:rPr lang="zh-CN" altLang="en-US" smtClean="0"/>
-              <a:t>单击此处编辑母版文本样式</a:t>
-            </a:r>
-          </a:p>
-          <a:p>
-            <a:pPr lvl="1"/>
-            <a:r>
-              <a:rPr lang="zh-CN" altLang="en-US" smtClean="0"/>
-              <a:t>第二级</a:t>
-            </a:r>
-          </a:p>
-          <a:p>
-            <a:pPr lvl="2"/>
-            <a:r>
-              <a:rPr lang="zh-CN" altLang="en-US" smtClean="0"/>
-              <a:t>第三级</a:t>
-            </a:r>
-          </a:p>
-          <a:p>
-            <a:pPr lvl="3"/>
-            <a:r>
-              <a:rPr lang="zh-CN" altLang="en-US" smtClean="0"/>
-              <a:t>第四级</a:t>
-            </a:r>
-          </a:p>
-          <a:p>
-            <a:pPr lvl="4"/>
-            <a:r>
-              <a:rPr lang="zh-CN" altLang="en-US" smtClean="0"/>
-              <a:t>第五级</a:t>
-            </a:r>
-          </a:p>
-        </p:txBody>
-      </p:sp>
-      <p:sp>
-        <p:nvSpPr>
-          <p:cNvPr id="4" name="日期占位符 3"/>
-          <p:cNvSpPr>
-            <a:spLocks noGrp="1"/>
-          </p:cNvSpPr>
-          <p:nvPr>
-            <p:ph type="dt" sz="half" idx="2"/>
-          </p:nvPr>
-        </p:nvSpPr>
-        <p:spPr>
-          <a:xfrm>
-            <a:off x="457200" y="6356350"/>
-            <a:ext cx="2133600" cy="365125"/>
-          </a:xfrm>
-          <a:prstGeom prst="rect">
-            <a:avLst/>
-          </a:prstGeom>
-        </p:spPr>
-        <p:txBody>
-          <a:bodyPr vert="horz" lIns="91440" tIns="45720" rIns="91440" bIns="45720" rtlCol="0" anchor="ctr"/>
-          <a:lstStyle>
-            <a:lvl1pPr algn="l" fontAlgn="auto">
-              <a:spcBef>
-                <a:spcPts val="0"/>
-              </a:spcBef>
-              <a:spcAft>
-                <a:spcPts val="0"/>
-              </a:spcAft>
-              <a:defRPr sz="1200">
-                <a:solidFill>
-                  <a:schemeClr val="tx1">
-                    <a:tint val="75000"/>
-                  </a:schemeClr>
-                </a:solidFill>
-                <a:latin typeface="+mn-lt"/>
-                <a:ea typeface="+mn-ea"/>
-              </a:defRPr>
-            </a:lvl1pPr>
-          </a:lstStyle>
-          <a:p>
-            <a:pPr>
-              <a:defRPr/>
-            </a:pPr>
-            <a:fld id="{CA944234-1106-4754-8691-5FC22A1DC318}" type="datetime1">
-              <a:rPr lang="zh-CN" altLang="en-US" smtClean="0">
-                <a:solidFill>
-                  <a:prstClr val="black">
-                    <a:tint val="75000"/>
-                  </a:prstClr>
-                </a:solidFill>
-              </a:rPr>
-              <a:t>2017/11/3 Friday</a:t>
-            </a:fld>
-            <a:endParaRPr lang="zh-CN" altLang="en-US">
-              <a:solidFill>
-                <a:prstClr val="black">
-                  <a:tint val="75000"/>
-                </a:prstClr>
-              </a:solidFill>
-            </a:endParaRPr>
-          </a:p>
-        </p:txBody>
-      </p:sp>
-      <p:sp>
-        <p:nvSpPr>
-          <p:cNvPr id="5" name="页脚占位符 4"/>
-          <p:cNvSpPr>
-            <a:spLocks noGrp="1"/>
-          </p:cNvSpPr>
-          <p:nvPr>
-            <p:ph type="ftr" sz="quarter" idx="3"/>
-          </p:nvPr>
-        </p:nvSpPr>
-        <p:spPr>
-          <a:xfrm>
-            <a:off x="3124200" y="6356350"/>
-            <a:ext cx="2895600" cy="365125"/>
-          </a:xfrm>
-          <a:prstGeom prst="rect">
-            <a:avLst/>
-          </a:prstGeom>
-        </p:spPr>
-        <p:txBody>
-          <a:bodyPr vert="horz" lIns="91440" tIns="45720" rIns="91440" bIns="45720" rtlCol="0" anchor="ctr"/>
-          <a:lstStyle>
-            <a:lvl1pPr algn="ctr" fontAlgn="auto">
-              <a:spcBef>
-                <a:spcPts val="0"/>
-              </a:spcBef>
-              <a:spcAft>
-                <a:spcPts val="0"/>
-              </a:spcAft>
-              <a:defRPr sz="1200">
-                <a:solidFill>
-                  <a:schemeClr val="tx1">
-                    <a:tint val="75000"/>
-                  </a:schemeClr>
-                </a:solidFill>
-                <a:latin typeface="+mn-lt"/>
-                <a:ea typeface="+mn-ea"/>
-              </a:defRPr>
-            </a:lvl1pPr>
-          </a:lstStyle>
-          <a:p>
-            <a:pPr>
-              <a:defRPr/>
-            </a:pPr>
-            <a:endParaRPr lang="zh-CN" altLang="en-US">
-              <a:solidFill>
-                <a:prstClr val="black">
-                  <a:tint val="75000"/>
-                </a:prstClr>
-              </a:solidFill>
-            </a:endParaRPr>
-          </a:p>
-        </p:txBody>
-      </p:sp>
-      <p:sp>
-        <p:nvSpPr>
-          <p:cNvPr id="6" name="灯片编号占位符 5"/>
-          <p:cNvSpPr>
-            <a:spLocks noGrp="1"/>
-          </p:cNvSpPr>
-          <p:nvPr>
-            <p:ph type="sldNum" sz="quarter" idx="4"/>
-          </p:nvPr>
-        </p:nvSpPr>
-        <p:spPr>
-          <a:xfrm>
-            <a:off x="6553200" y="6356350"/>
-            <a:ext cx="2133600" cy="365125"/>
-          </a:xfrm>
-          <a:prstGeom prst="rect">
-            <a:avLst/>
-          </a:prstGeom>
-        </p:spPr>
-        <p:txBody>
-          <a:bodyPr vert="horz" lIns="91440" tIns="45720" rIns="91440" bIns="45720" rtlCol="0" anchor="ctr"/>
-          <a:lstStyle>
-            <a:lvl1pPr algn="r" fontAlgn="auto">
-              <a:spcBef>
-                <a:spcPts val="0"/>
-              </a:spcBef>
-              <a:spcAft>
-                <a:spcPts val="0"/>
-              </a:spcAft>
-              <a:defRPr sz="1200">
-                <a:solidFill>
-                  <a:schemeClr val="tx1">
-                    <a:tint val="75000"/>
-                  </a:schemeClr>
-                </a:solidFill>
-                <a:latin typeface="+mn-lt"/>
-                <a:ea typeface="+mn-ea"/>
-              </a:defRPr>
-            </a:lvl1pPr>
-          </a:lstStyle>
-          <a:p>
-            <a:pPr>
-              <a:defRPr/>
-            </a:pPr>
-            <a:fld id="{A464C3B7-DDBD-403E-A304-4BD94D6CB492}" type="slidenum">
-              <a:rPr lang="zh-CN" altLang="en-US">
-                <a:solidFill>
-                  <a:prstClr val="black">
-                    <a:tint val="75000"/>
-                  </a:prstClr>
-                </a:solidFill>
-              </a:rPr>
-              <a:pPr>
-                <a:defRPr/>
-              </a:pPr>
-              <a:t>‹#›</a:t>
-            </a:fld>
-            <a:endParaRPr lang="zh-CN" altLang="en-US">
-              <a:solidFill>
-                <a:prstClr val="black">
-                  <a:tint val="75000"/>
-                </a:prstClr>
-              </a:solidFill>
-            </a:endParaRPr>
-          </a:p>
-        </p:txBody>
-      </p:sp>
-    </p:spTree>
-    <p:extLst>
-      <p:ext uri="{BB962C8B-B14F-4D97-AF65-F5344CB8AC3E}">
-        <p14:creationId xmlns:p14="http://schemas.microsoft.com/office/powerpoint/2010/main" val="3056870513"/>
-      </p:ext>
-    </p:extLst>
-  </p:cSld>
-  <p:clrMap bg1="lt1" tx1="dk1" bg2="lt2" tx2="dk2" accent1="accent1" accent2="accent2" accent3="accent3" accent4="accent4" accent5="accent5" accent6="accent6" hlink="hlink" folHlink="folHlink"/>
-  <p:sldLayoutIdLst>
-    <p:sldLayoutId id="2147483673" r:id="rId1"/>
-    <p:sldLayoutId id="2147483674" r:id="rId2"/>
-    <p:sldLayoutId id="2147483675" r:id="rId3"/>
-    <p:sldLayoutId id="2147483676" r:id="rId4"/>
-    <p:sldLayoutId id="2147483677" r:id="rId5"/>
-    <p:sldLayoutId id="2147483678" r:id="rId6"/>
-    <p:sldLayoutId id="2147483679" r:id="rId7"/>
-    <p:sldLayoutId id="2147483680" r:id="rId8"/>
-    <p:sldLayoutId id="2147483681" r:id="rId9"/>
-    <p:sldLayoutId id="2147483682" r:id="rId10"/>
-    <p:sldLayoutId id="2147483683" r:id="rId11"/>
-  </p:sldLayoutIdLst>
-  <p:hf hdr="0" ftr="0" dt="0"/>
-  <p:txStyles>
-    <p:titleStyle>
-      <a:lvl1pPr algn="l" rtl="0" eaLnBrk="0" fontAlgn="base" hangingPunct="0">
-        <a:spcBef>
-          <a:spcPct val="0"/>
-        </a:spcBef>
-        <a:spcAft>
-          <a:spcPct val="0"/>
-        </a:spcAft>
-        <a:defRPr sz="3200" kern="1200">
-          <a:solidFill>
-            <a:schemeClr val="bg1"/>
-          </a:solidFill>
-          <a:latin typeface="黑体" pitchFamily="2" charset="-122"/>
-          <a:ea typeface="黑体" pitchFamily="2" charset="-122"/>
-          <a:cs typeface="+mj-cs"/>
-        </a:defRPr>
-      </a:lvl1pPr>
-      <a:lvl2pPr algn="l" rtl="0" eaLnBrk="0" fontAlgn="base" hangingPunct="0">
-        <a:spcBef>
-          <a:spcPct val="0"/>
-        </a:spcBef>
-        <a:spcAft>
-          <a:spcPct val="0"/>
-        </a:spcAft>
-        <a:defRPr sz="3200">
-          <a:solidFill>
-            <a:schemeClr val="bg1"/>
-          </a:solidFill>
-          <a:latin typeface="黑体" pitchFamily="2" charset="-122"/>
-          <a:ea typeface="黑体" pitchFamily="2" charset="-122"/>
-        </a:defRPr>
-      </a:lvl2pPr>
-      <a:lvl3pPr algn="l" rtl="0" eaLnBrk="0" fontAlgn="base" hangingPunct="0">
-        <a:spcBef>
-          <a:spcPct val="0"/>
-        </a:spcBef>
-        <a:spcAft>
-          <a:spcPct val="0"/>
-        </a:spcAft>
-        <a:defRPr sz="3200">
-          <a:solidFill>
-            <a:schemeClr val="bg1"/>
-          </a:solidFill>
-          <a:latin typeface="黑体" pitchFamily="2" charset="-122"/>
-          <a:ea typeface="黑体" pitchFamily="2" charset="-122"/>
-        </a:defRPr>
-      </a:lvl3pPr>
-      <a:lvl4pPr algn="l" rtl="0" eaLnBrk="0" fontAlgn="base" hangingPunct="0">
-        <a:spcBef>
-          <a:spcPct val="0"/>
-        </a:spcBef>
-        <a:spcAft>
-          <a:spcPct val="0"/>
-        </a:spcAft>
-        <a:defRPr sz="3200">
-          <a:solidFill>
-            <a:schemeClr val="bg1"/>
-          </a:solidFill>
-          <a:latin typeface="黑体" pitchFamily="2" charset="-122"/>
-          <a:ea typeface="黑体" pitchFamily="2" charset="-122"/>
-        </a:defRPr>
-      </a:lvl4pPr>
-      <a:lvl5pPr algn="l" rtl="0" eaLnBrk="0" fontAlgn="base" hangingPunct="0">
-        <a:spcBef>
-          <a:spcPct val="0"/>
-        </a:spcBef>
-        <a:spcAft>
-          <a:spcPct val="0"/>
-        </a:spcAft>
-        <a:defRPr sz="3200">
-          <a:solidFill>
-            <a:schemeClr val="bg1"/>
-          </a:solidFill>
-          <a:latin typeface="黑体" pitchFamily="2" charset="-122"/>
-          <a:ea typeface="黑体" pitchFamily="2" charset="-122"/>
-        </a:defRPr>
-      </a:lvl5pPr>
-      <a:lvl6pPr marL="457200" algn="l" rtl="0" fontAlgn="base">
-        <a:spcBef>
-          <a:spcPct val="0"/>
-        </a:spcBef>
-        <a:spcAft>
-          <a:spcPct val="0"/>
-        </a:spcAft>
-        <a:defRPr sz="3200">
-          <a:solidFill>
-            <a:schemeClr val="bg1"/>
-          </a:solidFill>
-          <a:latin typeface="黑体" pitchFamily="2" charset="-122"/>
-          <a:ea typeface="黑体" pitchFamily="2" charset="-122"/>
-        </a:defRPr>
-      </a:lvl6pPr>
-      <a:lvl7pPr marL="914400" algn="l" rtl="0" fontAlgn="base">
-        <a:spcBef>
-          <a:spcPct val="0"/>
-        </a:spcBef>
-        <a:spcAft>
-          <a:spcPct val="0"/>
-        </a:spcAft>
-        <a:defRPr sz="3200">
-          <a:solidFill>
-            <a:schemeClr val="bg1"/>
-          </a:solidFill>
-          <a:latin typeface="黑体" pitchFamily="2" charset="-122"/>
-          <a:ea typeface="黑体" pitchFamily="2" charset="-122"/>
-        </a:defRPr>
-      </a:lvl7pPr>
-      <a:lvl8pPr marL="1371600" algn="l" rtl="0" fontAlgn="base">
-        <a:spcBef>
-          <a:spcPct val="0"/>
-        </a:spcBef>
-        <a:spcAft>
-          <a:spcPct val="0"/>
-        </a:spcAft>
-        <a:defRPr sz="3200">
-          <a:solidFill>
-            <a:schemeClr val="bg1"/>
-          </a:solidFill>
-          <a:latin typeface="黑体" pitchFamily="2" charset="-122"/>
-          <a:ea typeface="黑体" pitchFamily="2" charset="-122"/>
-        </a:defRPr>
-      </a:lvl8pPr>
-      <a:lvl9pPr marL="1828800" algn="l" rtl="0" fontAlgn="base">
-        <a:spcBef>
-          <a:spcPct val="0"/>
-        </a:spcBef>
-        <a:spcAft>
-          <a:spcPct val="0"/>
-        </a:spcAft>
-        <a:defRPr sz="3200">
-          <a:solidFill>
-            <a:schemeClr val="bg1"/>
-          </a:solidFill>
-          <a:latin typeface="黑体" pitchFamily="2" charset="-122"/>
-          <a:ea typeface="黑体" pitchFamily="2" charset="-122"/>
-        </a:defRPr>
-      </a:lvl9pPr>
-    </p:titleStyle>
-    <p:bodyStyle>
-      <a:lvl1pPr marL="342900" indent="-342900" algn="l" rtl="0" eaLnBrk="0" fontAlgn="base" hangingPunct="0">
-        <a:spcBef>
-          <a:spcPct val="20000"/>
-        </a:spcBef>
-        <a:spcAft>
-          <a:spcPct val="0"/>
-        </a:spcAft>
-        <a:buFont typeface="Arial" charset="0"/>
-        <a:buChar char="•"/>
-        <a:defRPr sz="3200" kern="1200">
-          <a:solidFill>
-            <a:schemeClr val="tx1"/>
-          </a:solidFill>
-          <a:latin typeface="黑体" pitchFamily="2" charset="-122"/>
-          <a:ea typeface="黑体" pitchFamily="2" charset="-122"/>
-          <a:cs typeface="+mn-cs"/>
-        </a:defRPr>
-      </a:lvl1pPr>
-      <a:lvl2pPr marL="742950" indent="-285750" algn="l" rtl="0" eaLnBrk="0" fontAlgn="base" hangingPunct="0">
-        <a:spcBef>
-          <a:spcPct val="20000"/>
-        </a:spcBef>
-        <a:spcAft>
-          <a:spcPct val="0"/>
-        </a:spcAft>
-        <a:buFont typeface="Arial" charset="0"/>
-        <a:buChar char="–"/>
-        <a:defRPr sz="2800" kern="1200">
-          <a:solidFill>
-            <a:schemeClr val="tx1"/>
-          </a:solidFill>
-          <a:latin typeface="黑体" pitchFamily="2" charset="-122"/>
-          <a:ea typeface="黑体" pitchFamily="2" charset="-122"/>
-          <a:cs typeface="+mn-cs"/>
-        </a:defRPr>
-      </a:lvl2pPr>
-      <a:lvl3pPr marL="1143000" indent="-228600" algn="l" rtl="0" eaLnBrk="0" fontAlgn="base" hangingPunct="0">
-        <a:spcBef>
-          <a:spcPct val="20000"/>
-        </a:spcBef>
-        <a:spcAft>
-          <a:spcPct val="0"/>
-        </a:spcAft>
-        <a:buFont typeface="Arial" charset="0"/>
-        <a:buChar char="•"/>
-        <a:defRPr sz="2400" kern="1200">
-          <a:solidFill>
-            <a:schemeClr val="tx1"/>
-          </a:solidFill>
-          <a:latin typeface="黑体" pitchFamily="2" charset="-122"/>
-          <a:ea typeface="黑体" pitchFamily="2" charset="-122"/>
-          <a:cs typeface="+mn-cs"/>
-        </a:defRPr>
-      </a:lvl3pPr>
-      <a:lvl4pPr marL="1600200" indent="-228600" algn="l" rtl="0" eaLnBrk="0" fontAlgn="base" hangingPunct="0">
-        <a:spcBef>
-          <a:spcPct val="20000"/>
-        </a:spcBef>
-        <a:spcAft>
-          <a:spcPct val="0"/>
-        </a:spcAft>
-        <a:buFont typeface="Arial" charset="0"/>
-        <a:buChar char="–"/>
-        <a:defRPr sz="2000" kern="1200">
-          <a:solidFill>
-            <a:schemeClr val="tx1"/>
-          </a:solidFill>
-          <a:latin typeface="黑体" pitchFamily="2" charset="-122"/>
-          <a:ea typeface="黑体" pitchFamily="2" charset="-122"/>
-          <a:cs typeface="+mn-cs"/>
-        </a:defRPr>
-      </a:lvl4pPr>
-      <a:lvl5pPr marL="2057400" indent="-228600" algn="l" rtl="0" eaLnBrk="0" fontAlgn="base" hangingPunct="0">
-        <a:spcBef>
-          <a:spcPct val="20000"/>
-        </a:spcBef>
-        <a:spcAft>
-          <a:spcPct val="0"/>
-        </a:spcAft>
-        <a:buFont typeface="Arial" charset="0"/>
-        <a:buChar char="»"/>
-        <a:defRPr sz="2000" kern="1200">
-          <a:solidFill>
-            <a:schemeClr val="tx1"/>
-          </a:solidFill>
-          <a:latin typeface="黑体" pitchFamily="2" charset="-122"/>
-          <a:ea typeface="黑体" pitchFamily="2" charset="-122"/>
-          <a:cs typeface="+mn-cs"/>
-        </a:defRPr>
-      </a:lvl5pPr>
-      <a:lvl6pPr marL="2514600" indent="-228600" algn="l" defTabSz="914400" rtl="0" eaLnBrk="1" latinLnBrk="0" hangingPunct="1">
-        <a:spcBef>
-          <a:spcPct val="20000"/>
-        </a:spcBef>
-        <a:buFont typeface="Arial" pitchFamily="34" charset="0"/>
-        <a:buChar char="•"/>
-        <a:defRPr sz="2000" kern="1200">
-          <a:solidFill>
-            <a:schemeClr val="tx1"/>
-          </a:solidFill>
-          <a:latin typeface="+mn-lt"/>
-          <a:ea typeface="+mn-ea"/>
-          <a:cs typeface="+mn-cs"/>
-        </a:defRPr>
-      </a:lvl6pPr>
-      <a:lvl7pPr marL="2971800" indent="-228600" algn="l" defTabSz="914400" rtl="0" eaLnBrk="1" latinLnBrk="0" hangingPunct="1">
-        <a:spcBef>
-          <a:spcPct val="20000"/>
-        </a:spcBef>
-        <a:buFont typeface="Arial" pitchFamily="34" charset="0"/>
-        <a:buChar char="•"/>
-        <a:defRPr sz="2000" kern="1200">
-          <a:solidFill>
-            <a:schemeClr val="tx1"/>
-          </a:solidFill>
-          <a:latin typeface="+mn-lt"/>
-          <a:ea typeface="+mn-ea"/>
-          <a:cs typeface="+mn-cs"/>
-        </a:defRPr>
-      </a:lvl7pPr>
-      <a:lvl8pPr marL="3429000" indent="-228600" algn="l" defTabSz="914400" rtl="0" eaLnBrk="1" latinLnBrk="0" hangingPunct="1">
-        <a:spcBef>
-          <a:spcPct val="20000"/>
-        </a:spcBef>
-        <a:buFont typeface="Arial" pitchFamily="34" charset="0"/>
-        <a:buChar char="•"/>
-        <a:defRPr sz="2000" kern="1200">
-          <a:solidFill>
-            <a:schemeClr val="tx1"/>
-          </a:solidFill>
-          <a:latin typeface="+mn-lt"/>
-          <a:ea typeface="+mn-ea"/>
-          <a:cs typeface="+mn-cs"/>
-        </a:defRPr>
-      </a:lvl8pPr>
-      <a:lvl9pPr marL="3886200" indent="-228600" algn="l" defTabSz="914400" rtl="0" eaLnBrk="1" latinLnBrk="0" hangingPunct="1">
-        <a:spcBef>
-          <a:spcPct val="20000"/>
-        </a:spcBef>
-        <a:buFont typeface="Arial" pitchFamily="34" charset="0"/>
+        <a:buFont typeface="Arial" panose="020B0604020202090204" pitchFamily="34" charset="0"/>
         <a:buChar char="•"/>
         <a:defRPr sz="2000" kern="1200">
           <a:solidFill>
@@ -9497,9 +9264,9 @@
               <a:solidFill>
                 <a:srgbClr val="FF0000"/>
               </a:solidFill>
-              <a:latin typeface="Times New Roman" panose="02020603050405020304" pitchFamily="18" charset="0"/>
+              <a:latin typeface="Times New Roman" panose="02020503050405090304" pitchFamily="18" charset="0"/>
               <a:ea typeface="Arial Unicode MS" panose="020B0604020202020204" pitchFamily="34" charset="-122"/>
-              <a:cs typeface="Times New Roman" panose="02020603050405020304" pitchFamily="18" charset="0"/>
+              <a:cs typeface="Times New Roman" panose="02020503050405090304" pitchFamily="18" charset="0"/>
             </a:endParaRPr>
           </a:p>
           <a:p>
@@ -9605,16 +9372,16 @@
             </a:pPr>
             <a:r>
               <a:rPr lang="zh-CN" altLang="en-US" sz="2400" b="1" dirty="0" smtClean="0">
-                <a:latin typeface="Times New Roman" panose="02020603050405020304" pitchFamily="18" charset="0"/>
+                <a:latin typeface="Times New Roman" panose="02020503050405090304" pitchFamily="18" charset="0"/>
                 <a:ea typeface="Arial Unicode MS" panose="020B0604020202020204" pitchFamily="34" charset="-122"/>
-                <a:cs typeface="Times New Roman" panose="02020603050405020304" pitchFamily="18" charset="0"/>
+                <a:cs typeface="Times New Roman" panose="02020503050405090304" pitchFamily="18" charset="0"/>
               </a:rPr>
               <a:t>胡浩基</a:t>
             </a:r>
             <a:endParaRPr lang="en-US" altLang="zh-CN" sz="2400" b="1" dirty="0" smtClean="0">
-              <a:latin typeface="Times New Roman" panose="02020603050405020304" pitchFamily="18" charset="0"/>
+              <a:latin typeface="Times New Roman" panose="02020503050405090304" pitchFamily="18" charset="0"/>
               <a:ea typeface="Arial Unicode MS" panose="020B0604020202020204" pitchFamily="34" charset="-122"/>
-              <a:cs typeface="Times New Roman" panose="02020603050405020304" pitchFamily="18" charset="0"/>
+              <a:cs typeface="Times New Roman" panose="02020503050405090304" pitchFamily="18" charset="0"/>
             </a:endParaRPr>
           </a:p>
           <a:p>
@@ -9628,33 +9395,33 @@
             </a:pPr>
             <a:r>
               <a:rPr lang="zh-CN" altLang="en-US" sz="2400" b="1" dirty="0">
-                <a:latin typeface="Times New Roman" panose="02020603050405020304" pitchFamily="18" charset="0"/>
+                <a:latin typeface="Times New Roman" panose="02020503050405090304" pitchFamily="18" charset="0"/>
                 <a:ea typeface="Arial Unicode MS" panose="020B0604020202020204" pitchFamily="34" charset="-122"/>
-                <a:cs typeface="Times New Roman" panose="02020603050405020304" pitchFamily="18" charset="0"/>
+                <a:cs typeface="Times New Roman" panose="02020503050405090304" pitchFamily="18" charset="0"/>
               </a:rPr>
               <a:t>浙江大</a:t>
             </a:r>
             <a:r>
               <a:rPr lang="zh-CN" altLang="en-US" sz="2400" b="1" dirty="0" smtClean="0">
-                <a:latin typeface="Times New Roman" panose="02020603050405020304" pitchFamily="18" charset="0"/>
+                <a:latin typeface="Times New Roman" panose="02020503050405090304" pitchFamily="18" charset="0"/>
                 <a:ea typeface="Arial Unicode MS" panose="020B0604020202020204" pitchFamily="34" charset="-122"/>
-                <a:cs typeface="Times New Roman" panose="02020603050405020304" pitchFamily="18" charset="0"/>
+                <a:cs typeface="Times New Roman" panose="02020503050405090304" pitchFamily="18" charset="0"/>
               </a:rPr>
               <a:t>学信息与电子工程学院</a:t>
             </a:r>
             <a:r>
               <a:rPr lang="en-US" altLang="zh-CN" sz="2400" b="1" dirty="0" smtClean="0">
-                <a:latin typeface="Times New Roman" panose="02020603050405020304" pitchFamily="18" charset="0"/>
+                <a:latin typeface="Times New Roman" panose="02020503050405090304" pitchFamily="18" charset="0"/>
                 <a:ea typeface="Arial Unicode MS" panose="020B0604020202020204" pitchFamily="34" charset="-122"/>
-                <a:cs typeface="Times New Roman" panose="02020603050405020304" pitchFamily="18" charset="0"/>
-                <a:hlinkClick r:id="rId3"/>
+                <a:cs typeface="Times New Roman" panose="02020503050405090304" pitchFamily="18" charset="0"/>
+                <a:hlinkClick r:id="rId1"/>
               </a:rPr>
               <a:t>haoji_hu@zju.edu.cn</a:t>
             </a:r>
             <a:endParaRPr lang="en-US" altLang="zh-CN" sz="2400" b="1" dirty="0" smtClean="0">
-              <a:latin typeface="Times New Roman" panose="02020603050405020304" pitchFamily="18" charset="0"/>
+              <a:latin typeface="Times New Roman" panose="02020503050405090304" pitchFamily="18" charset="0"/>
               <a:ea typeface="Arial Unicode MS" panose="020B0604020202020204" pitchFamily="34" charset="-122"/>
-              <a:cs typeface="Times New Roman" panose="02020603050405020304" pitchFamily="18" charset="0"/>
+              <a:cs typeface="Times New Roman" panose="02020503050405090304" pitchFamily="18" charset="0"/>
             </a:endParaRPr>
           </a:p>
           <a:p>
@@ -9671,12 +9438,20 @@
                 <a:solidFill>
                   <a:schemeClr val="bg1"/>
                 </a:solidFill>
-                <a:latin typeface="Times New Roman" panose="02020603050405020304" pitchFamily="18" charset="0"/>
+                <a:latin typeface="Times New Roman" panose="02020503050405090304" pitchFamily="18" charset="0"/>
                 <a:ea typeface="华文楷体" panose="02010600040101010101" pitchFamily="2" charset="-122"/>
-                <a:cs typeface="Times New Roman" panose="02020603050405020304" pitchFamily="18" charset="0"/>
+                <a:cs typeface="Times New Roman" panose="02020503050405090304" pitchFamily="18" charset="0"/>
               </a:rPr>
               <a:t>	</a:t>
             </a:r>
+            <a:endParaRPr lang="en-US" altLang="zh-CN" sz="4000" b="1" dirty="0">
+              <a:solidFill>
+                <a:schemeClr val="bg1"/>
+              </a:solidFill>
+              <a:latin typeface="Times New Roman" panose="02020503050405090304" pitchFamily="18" charset="0"/>
+              <a:ea typeface="华文楷体" panose="02010600040101010101" pitchFamily="2" charset="-122"/>
+              <a:cs typeface="Times New Roman" panose="02020503050405090304" pitchFamily="18" charset="0"/>
+            </a:endParaRPr>
           </a:p>
           <a:p>
             <a:pPr algn="ctr" fontAlgn="base">
@@ -9691,19 +9466,14 @@
               <a:solidFill>
                 <a:schemeClr val="bg1"/>
               </a:solidFill>
-              <a:latin typeface="Times New Roman" panose="02020603050405020304" pitchFamily="18" charset="0"/>
+              <a:latin typeface="Times New Roman" panose="02020503050405090304" pitchFamily="18" charset="0"/>
               <a:ea typeface="华文楷体" panose="02010600040101010101" pitchFamily="2" charset="-122"/>
-              <a:cs typeface="Times New Roman" panose="02020603050405020304" pitchFamily="18" charset="0"/>
+              <a:cs typeface="Times New Roman" panose="02020503050405090304" pitchFamily="18" charset="0"/>
             </a:endParaRPr>
           </a:p>
         </p:txBody>
       </p:sp>
     </p:spTree>
-    <p:extLst>
-      <p:ext uri="{BB962C8B-B14F-4D97-AF65-F5344CB8AC3E}">
-        <p14:creationId xmlns:p14="http://schemas.microsoft.com/office/powerpoint/2010/main" val="1935515388"/>
-      </p:ext>
-    </p:extLst>
   </p:cSld>
   <p:clrMapOvr>
     <a:masterClrMapping/>
@@ -9787,9 +9557,6 @@
         </p:spPr>
         <p:txBody>
           <a:bodyPr vert="horz" wrap="none" lIns="91440" tIns="45720" rIns="91440" bIns="45720" numCol="1" anchor="ctr" anchorCtr="0" compatLnSpc="1">
-            <a:prstTxWarp prst="textNoShape">
-              <a:avLst/>
-            </a:prstTxWarp>
             <a:spAutoFit/>
           </a:bodyPr>
           <a:lstStyle/>
@@ -9801,9 +9568,7 @@
       <p:sp>
         <p:nvSpPr>
           <p:cNvPr id="22" name="标题 1"/>
-          <p:cNvSpPr txBox="1">
-            <a:spLocks/>
-          </p:cNvSpPr>
+          <p:cNvSpPr txBox="1"/>
           <p:nvPr/>
         </p:nvSpPr>
         <p:spPr bwMode="auto">
@@ -9818,8 +9583,6 @@
           <a:ln w="9525">
             <a:noFill/>
             <a:miter lim="800000"/>
-            <a:headEnd/>
-            <a:tailEnd/>
           </a:ln>
         </p:spPr>
         <p:txBody>
@@ -9840,7 +9603,7 @@
                 <a:solidFill>
                   <a:prstClr val="white"/>
                 </a:solidFill>
-                <a:latin typeface="Arial" charset="0"/>
+                <a:latin typeface="Arial" panose="020B0604020202090204" pitchFamily="34" charset="0"/>
               </a:rPr>
               <a:t>基于</a:t>
             </a:r>
@@ -9849,7 +9612,7 @@
                 <a:solidFill>
                   <a:prstClr val="white"/>
                 </a:solidFill>
-                <a:latin typeface="Arial" charset="0"/>
+                <a:latin typeface="Arial" panose="020B0604020202090204" pitchFamily="34" charset="0"/>
               </a:rPr>
               <a:t>K-</a:t>
             </a:r>
@@ -9858,7 +9621,7 @@
                 <a:solidFill>
                   <a:prstClr val="white"/>
                 </a:solidFill>
-                <a:latin typeface="Arial" charset="0"/>
+                <a:latin typeface="Arial" panose="020B0604020202090204" pitchFamily="34" charset="0"/>
               </a:rPr>
               <a:t>均值聚类的图像矢量量化</a:t>
             </a:r>
@@ -9866,8 +9629,8 @@
               <a:solidFill>
                 <a:prstClr val="white"/>
               </a:solidFill>
-              <a:latin typeface="黑体" pitchFamily="49" charset="-122"/>
-              <a:ea typeface="黑体" pitchFamily="49" charset="-122"/>
+              <a:latin typeface="黑体" pitchFamily="2" charset="-122"/>
+              <a:ea typeface="黑体" pitchFamily="2" charset="-122"/>
             </a:endParaRPr>
           </a:p>
         </p:txBody>
@@ -9924,9 +9687,6 @@
         </p:spPr>
         <p:txBody>
           <a:bodyPr vert="horz" wrap="none" lIns="91440" tIns="45720" rIns="91440" bIns="45720" numCol="1" anchor="ctr" anchorCtr="0" compatLnSpc="1">
-            <a:prstTxWarp prst="textNoShape">
-              <a:avLst/>
-            </a:prstTxWarp>
             <a:spAutoFit/>
           </a:bodyPr>
           <a:lstStyle/>
@@ -9989,16 +9749,16 @@
             <a:picLocks noChangeAspect="1"/>
           </p:cNvPicPr>
           <p:nvPr>
-            <a:audioFile r:link="rId2"/>
+            <a:audioFile r:link="rId1"/>
             <p:extLst>
               <p:ext uri="{DAA4B4D4-6D71-4841-9C94-3DE7FCFB9230}">
-                <p14:media xmlns:p14="http://schemas.microsoft.com/office/powerpoint/2010/main" r:embed="rId1"/>
+                <p14:media xmlns:p14="http://schemas.microsoft.com/office/powerpoint/2010/main" r:embed="rId2"/>
               </p:ext>
             </p:extLst>
           </p:nvPr>
         </p:nvPicPr>
         <p:blipFill>
-          <a:blip r:embed="rId5"/>
+          <a:blip r:embed="rId3"/>
           <a:stretch>
             <a:fillRect/>
           </a:stretch>
@@ -10059,7 +9819,7 @@
           <p:nvPr/>
         </p:nvPicPr>
         <p:blipFill>
-          <a:blip r:embed="rId6"/>
+          <a:blip r:embed="rId4"/>
           <a:stretch>
             <a:fillRect/>
           </a:stretch>
@@ -10083,7 +9843,7 @@
           <p:nvPr/>
         </p:nvPicPr>
         <p:blipFill>
-          <a:blip r:embed="rId7"/>
+          <a:blip r:embed="rId5"/>
           <a:stretch>
             <a:fillRect/>
           </a:stretch>
@@ -10107,7 +9867,7 @@
           <p:nvPr/>
         </p:nvPicPr>
         <p:blipFill>
-          <a:blip r:embed="rId8"/>
+          <a:blip r:embed="rId6"/>
           <a:stretch>
             <a:fillRect/>
           </a:stretch>
@@ -10131,7 +9891,7 @@
           <p:nvPr/>
         </p:nvPicPr>
         <p:blipFill>
-          <a:blip r:embed="rId9"/>
+          <a:blip r:embed="rId7"/>
           <a:stretch>
             <a:fillRect/>
           </a:stretch>
@@ -10155,7 +9915,7 @@
           <p:nvPr/>
         </p:nvPicPr>
         <p:blipFill>
-          <a:blip r:embed="rId10"/>
+          <a:blip r:embed="rId8"/>
           <a:stretch>
             <a:fillRect/>
           </a:stretch>
@@ -10179,7 +9939,7 @@
           <p:nvPr/>
         </p:nvPicPr>
         <p:blipFill>
-          <a:blip r:embed="rId11"/>
+          <a:blip r:embed="rId9"/>
           <a:stretch>
             <a:fillRect/>
           </a:stretch>
@@ -10203,7 +9963,7 @@
           <p:nvPr/>
         </p:nvPicPr>
         <p:blipFill>
-          <a:blip r:embed="rId12"/>
+          <a:blip r:embed="rId10"/>
           <a:stretch>
             <a:fillRect/>
           </a:stretch>
@@ -10219,11 +9979,6 @@
         </p:spPr>
       </p:pic>
     </p:spTree>
-    <p:extLst>
-      <p:ext uri="{BB962C8B-B14F-4D97-AF65-F5344CB8AC3E}">
-        <p14:creationId xmlns:p14="http://schemas.microsoft.com/office/powerpoint/2010/main" val="2631474252"/>
-      </p:ext>
-    </p:extLst>
   </p:cSld>
   <p:clrMapOvr>
     <a:masterClrMapping/>
@@ -10344,7 +10099,7 @@
           <p:nvPr/>
         </p:nvPicPr>
         <p:blipFill>
-          <a:blip r:embed="rId2"/>
+          <a:blip r:embed="rId1"/>
           <a:stretch>
             <a:fillRect/>
           </a:stretch>
@@ -10409,7 +10164,7 @@
                 <a:solidFill>
                   <a:schemeClr val="tx1"/>
                 </a:solidFill>
-                <a:latin typeface="Arial" charset="0"/>
+                <a:latin typeface="Arial" panose="020B0604020202090204" pitchFamily="34" charset="0"/>
                 <a:ea typeface="宋体" pitchFamily="2" charset="-122"/>
               </a:defRPr>
             </a:lvl1pPr>
@@ -10418,7 +10173,7 @@
                 <a:solidFill>
                   <a:schemeClr val="tx1"/>
                 </a:solidFill>
-                <a:latin typeface="Arial" charset="0"/>
+                <a:latin typeface="Arial" panose="020B0604020202090204" pitchFamily="34" charset="0"/>
                 <a:ea typeface="宋体" pitchFamily="2" charset="-122"/>
               </a:defRPr>
             </a:lvl2pPr>
@@ -10427,7 +10182,7 @@
                 <a:solidFill>
                   <a:schemeClr val="tx1"/>
                 </a:solidFill>
-                <a:latin typeface="Arial" charset="0"/>
+                <a:latin typeface="Arial" panose="020B0604020202090204" pitchFamily="34" charset="0"/>
                 <a:ea typeface="宋体" pitchFamily="2" charset="-122"/>
               </a:defRPr>
             </a:lvl3pPr>
@@ -10436,7 +10191,7 @@
                 <a:solidFill>
                   <a:schemeClr val="tx1"/>
                 </a:solidFill>
-                <a:latin typeface="Arial" charset="0"/>
+                <a:latin typeface="Arial" panose="020B0604020202090204" pitchFamily="34" charset="0"/>
                 <a:ea typeface="宋体" pitchFamily="2" charset="-122"/>
               </a:defRPr>
             </a:lvl4pPr>
@@ -10445,7 +10200,7 @@
                 <a:solidFill>
                   <a:schemeClr val="tx1"/>
                 </a:solidFill>
-                <a:latin typeface="Arial" charset="0"/>
+                <a:latin typeface="Arial" panose="020B0604020202090204" pitchFamily="34" charset="0"/>
                 <a:ea typeface="宋体" pitchFamily="2" charset="-122"/>
               </a:defRPr>
             </a:lvl5pPr>
@@ -10460,7 +10215,7 @@
                 <a:solidFill>
                   <a:schemeClr val="tx1"/>
                 </a:solidFill>
-                <a:latin typeface="Arial" charset="0"/>
+                <a:latin typeface="Arial" panose="020B0604020202090204" pitchFamily="34" charset="0"/>
                 <a:ea typeface="宋体" pitchFamily="2" charset="-122"/>
               </a:defRPr>
             </a:lvl6pPr>
@@ -10475,7 +10230,7 @@
                 <a:solidFill>
                   <a:schemeClr val="tx1"/>
                 </a:solidFill>
-                <a:latin typeface="Arial" charset="0"/>
+                <a:latin typeface="Arial" panose="020B0604020202090204" pitchFamily="34" charset="0"/>
                 <a:ea typeface="宋体" pitchFamily="2" charset="-122"/>
               </a:defRPr>
             </a:lvl7pPr>
@@ -10490,7 +10245,7 @@
                 <a:solidFill>
                   <a:schemeClr val="tx1"/>
                 </a:solidFill>
-                <a:latin typeface="Arial" charset="0"/>
+                <a:latin typeface="Arial" panose="020B0604020202090204" pitchFamily="34" charset="0"/>
                 <a:ea typeface="宋体" pitchFamily="2" charset="-122"/>
               </a:defRPr>
             </a:lvl8pPr>
@@ -10505,7 +10260,7 @@
                 <a:solidFill>
                   <a:schemeClr val="tx1"/>
                 </a:solidFill>
-                <a:latin typeface="Arial" charset="0"/>
+                <a:latin typeface="Arial" panose="020B0604020202090204" pitchFamily="34" charset="0"/>
                 <a:ea typeface="宋体" pitchFamily="2" charset="-122"/>
               </a:defRPr>
             </a:lvl9pPr>
@@ -10521,20 +10276,19 @@
             </a:pPr>
             <a:r>
               <a:rPr lang="en-US" altLang="zh-CN" sz="4000" b="1" dirty="0" smtClean="0">
-                <a:latin typeface="黑体" pitchFamily="49" charset="-122"/>
-                <a:ea typeface="黑体" pitchFamily="49" charset="-122"/>
+                <a:latin typeface="黑体" pitchFamily="2" charset="-122"/>
+                <a:ea typeface="黑体" pitchFamily="2" charset="-122"/>
               </a:rPr>
               <a:t>Thank you and comments are welcomed</a:t>
             </a:r>
+            <a:endParaRPr lang="en-US" altLang="zh-CN" sz="4000" b="1" dirty="0" smtClean="0">
+              <a:latin typeface="黑体" pitchFamily="2" charset="-122"/>
+              <a:ea typeface="黑体" pitchFamily="2" charset="-122"/>
+            </a:endParaRPr>
           </a:p>
         </p:txBody>
       </p:sp>
     </p:spTree>
-    <p:extLst>
-      <p:ext uri="{BB962C8B-B14F-4D97-AF65-F5344CB8AC3E}">
-        <p14:creationId xmlns:p14="http://schemas.microsoft.com/office/powerpoint/2010/main" val="1866364592"/>
-      </p:ext>
-    </p:extLst>
   </p:cSld>
   <p:clrMapOvr>
     <a:masterClrMapping/>
@@ -10827,8 +10581,11 @@
       </a:bgFillStyleLst>
     </a:fmtScheme>
   </a:themeElements>
-  <a:objectDefaults/>
-  <a:extraClrSchemeLst/>
+  <a:extLst>
+    <a:ext uri="{05A4C25C-085E-4340-85A3-A5531E510DB2}">
+      <thm15:themeFamily xmlns:thm15="http://schemas.microsoft.com/office/thememl/2012/main" name="Office Theme" id="{62F939B6-93AF-4DB8-9C6B-D6C7DFDC589F}" vid="{4A3C46E8-61CC-4603-A589-7422A47A8E4A}"/>
+    </a:ext>
+  </a:extLst>
 </a:theme>
 </file>
 
@@ -11110,8 +10867,11 @@
       </a:bgFillStyleLst>
     </a:fmtScheme>
   </a:themeElements>
-  <a:objectDefaults/>
-  <a:extraClrSchemeLst/>
+  <a:extLst>
+    <a:ext uri="{05A4C25C-085E-4340-85A3-A5531E510DB2}">
+      <thm15:themeFamily xmlns:thm15="http://schemas.microsoft.com/office/thememl/2012/main" name="Office Theme" id="{62F939B6-93AF-4DB8-9C6B-D6C7DFDC589F}" vid="{4A3C46E8-61CC-4603-A589-7422A47A8E4A}"/>
+    </a:ext>
+  </a:extLst>
 </a:theme>
 </file>
 
@@ -11395,7 +11155,10 @@
       </a:bgFillStyleLst>
     </a:fmtScheme>
   </a:themeElements>
-  <a:objectDefaults/>
-  <a:extraClrSchemeLst/>
+  <a:extLst>
+    <a:ext uri="{05A4C25C-085E-4340-85A3-A5531E510DB2}">
+      <thm15:themeFamily xmlns:thm15="http://schemas.microsoft.com/office/thememl/2012/main" name="Office Theme" id="{62F939B6-93AF-4DB8-9C6B-D6C7DFDC589F}" vid="{4A3C46E8-61CC-4603-A589-7422A47A8E4A}"/>
+    </a:ext>
+  </a:extLst>
 </a:theme>
 </file>